--- a/Presention_by_Cédric.pptx
+++ b/Presention_by_Cédric.pptx
@@ -5,20 +5,22 @@
     <p:sldMasterId id="2147483648" r:id="rId1"/>
   </p:sldMasterIdLst>
   <p:notesMasterIdLst>
-    <p:notesMasterId r:id="rId13"/>
+    <p:notesMasterId r:id="rId15"/>
   </p:notesMasterIdLst>
   <p:sldIdLst>
     <p:sldId id="256" r:id="rId2"/>
     <p:sldId id="257" r:id="rId3"/>
-    <p:sldId id="258" r:id="rId4"/>
-    <p:sldId id="261" r:id="rId5"/>
-    <p:sldId id="262" r:id="rId6"/>
-    <p:sldId id="259" r:id="rId7"/>
-    <p:sldId id="263" r:id="rId8"/>
-    <p:sldId id="264" r:id="rId9"/>
-    <p:sldId id="265" r:id="rId10"/>
-    <p:sldId id="260" r:id="rId11"/>
-    <p:sldId id="266" r:id="rId12"/>
+    <p:sldId id="267" r:id="rId4"/>
+    <p:sldId id="268" r:id="rId5"/>
+    <p:sldId id="258" r:id="rId6"/>
+    <p:sldId id="261" r:id="rId7"/>
+    <p:sldId id="262" r:id="rId8"/>
+    <p:sldId id="259" r:id="rId9"/>
+    <p:sldId id="263" r:id="rId10"/>
+    <p:sldId id="264" r:id="rId11"/>
+    <p:sldId id="265" r:id="rId12"/>
+    <p:sldId id="260" r:id="rId13"/>
+    <p:sldId id="266" r:id="rId14"/>
   </p:sldIdLst>
   <p:sldSz cx="12192000" cy="6858000"/>
   <p:notesSz cx="6858000" cy="9144000"/>
@@ -207,7 +209,7 @@
           <a:p>
             <a:fld id="{EB045A08-220B-FF40-8FEF-EDEE216D8A5B}" type="datetimeFigureOut">
               <a:rPr lang="en-US" smtClean="0"/>
-              <a:t>12/19/16</a:t>
+              <a:t>12/20/16</a:t>
             </a:fld>
             <a:endParaRPr lang="en-US"/>
           </a:p>
@@ -525,7 +527,7 @@
           <a:noFill/>
           <a:extLst>
             <a:ext uri="{909E8E84-426E-40dd-AFC4-6F175D3DCCD1}">
-              <a14:hiddenFill xmlns="" xmlns:a14="http://schemas.microsoft.com/office/drawing/2010/main">
+              <a14:hiddenFill xmlns:a14="http://schemas.microsoft.com/office/drawing/2010/main" xmlns="">
                 <a:solidFill>
                   <a:srgbClr val="FFFFFF"/>
                 </a:solidFill>
@@ -585,7 +587,7 @@
             </a:ln>
             <a:extLst>
               <a:ext uri="{91240B29-F687-4f45-9708-019B960494DF}">
-                <a14:hiddenLine xmlns="" xmlns:a14="http://schemas.microsoft.com/office/drawing/2010/main" w="9525">
+                <a14:hiddenLine xmlns:a14="http://schemas.microsoft.com/office/drawing/2010/main" xmlns="" w="9525">
                   <a:solidFill>
                     <a:srgbClr val="000000"/>
                   </a:solidFill>
@@ -675,7 +677,7 @@
             </a:ln>
             <a:extLst>
               <a:ext uri="{91240B29-F687-4f45-9708-019B960494DF}">
-                <a14:hiddenLine xmlns="" xmlns:a14="http://schemas.microsoft.com/office/drawing/2010/main" w="9525">
+                <a14:hiddenLine xmlns:a14="http://schemas.microsoft.com/office/drawing/2010/main" xmlns="" w="9525">
                   <a:solidFill>
                     <a:srgbClr val="000000"/>
                   </a:solidFill>
@@ -765,7 +767,7 @@
             </a:ln>
             <a:extLst>
               <a:ext uri="{91240B29-F687-4f45-9708-019B960494DF}">
-                <a14:hiddenLine xmlns="" xmlns:a14="http://schemas.microsoft.com/office/drawing/2010/main" w="9525">
+                <a14:hiddenLine xmlns:a14="http://schemas.microsoft.com/office/drawing/2010/main" xmlns="" w="9525">
                   <a:solidFill>
                     <a:srgbClr val="000000"/>
                   </a:solidFill>
@@ -799,7 +801,7 @@
             </a:ln>
             <a:extLst>
               <a:ext uri="{91240B29-F687-4f45-9708-019B960494DF}">
-                <a14:hiddenLine xmlns="" xmlns:a14="http://schemas.microsoft.com/office/drawing/2010/main" w="9525">
+                <a14:hiddenLine xmlns:a14="http://schemas.microsoft.com/office/drawing/2010/main" xmlns="" w="9525">
                   <a:solidFill>
                     <a:srgbClr val="000000"/>
                   </a:solidFill>
@@ -889,7 +891,7 @@
             </a:ln>
             <a:extLst>
               <a:ext uri="{91240B29-F687-4f45-9708-019B960494DF}">
-                <a14:hiddenLine xmlns="" xmlns:a14="http://schemas.microsoft.com/office/drawing/2010/main" w="9525">
+                <a14:hiddenLine xmlns:a14="http://schemas.microsoft.com/office/drawing/2010/main" xmlns="" w="9525">
                   <a:solidFill>
                     <a:srgbClr val="000000"/>
                   </a:solidFill>
@@ -951,7 +953,7 @@
             </a:ln>
             <a:extLst>
               <a:ext uri="{91240B29-F687-4f45-9708-019B960494DF}">
-                <a14:hiddenLine xmlns="" xmlns:a14="http://schemas.microsoft.com/office/drawing/2010/main" w="9525">
+                <a14:hiddenLine xmlns:a14="http://schemas.microsoft.com/office/drawing/2010/main" xmlns="" w="9525">
                   <a:solidFill>
                     <a:srgbClr val="000000"/>
                   </a:solidFill>
@@ -1013,7 +1015,7 @@
             </a:ln>
             <a:extLst>
               <a:ext uri="{91240B29-F687-4f45-9708-019B960494DF}">
-                <a14:hiddenLine xmlns="" xmlns:a14="http://schemas.microsoft.com/office/drawing/2010/main" w="9525">
+                <a14:hiddenLine xmlns:a14="http://schemas.microsoft.com/office/drawing/2010/main" xmlns="" w="9525">
                   <a:solidFill>
                     <a:srgbClr val="000000"/>
                   </a:solidFill>
@@ -1103,7 +1105,7 @@
             </a:ln>
             <a:extLst>
               <a:ext uri="{91240B29-F687-4f45-9708-019B960494DF}">
-                <a14:hiddenLine xmlns="" xmlns:a14="http://schemas.microsoft.com/office/drawing/2010/main" w="9525">
+                <a14:hiddenLine xmlns:a14="http://schemas.microsoft.com/office/drawing/2010/main" xmlns="" w="9525">
                   <a:solidFill>
                     <a:srgbClr val="000000"/>
                   </a:solidFill>
@@ -1165,7 +1167,7 @@
             </a:ln>
             <a:extLst>
               <a:ext uri="{91240B29-F687-4f45-9708-019B960494DF}">
-                <a14:hiddenLine xmlns="" xmlns:a14="http://schemas.microsoft.com/office/drawing/2010/main" w="9525">
+                <a14:hiddenLine xmlns:a14="http://schemas.microsoft.com/office/drawing/2010/main" xmlns="" w="9525">
                   <a:solidFill>
                     <a:srgbClr val="000000"/>
                   </a:solidFill>
@@ -1227,7 +1229,7 @@
             </a:ln>
             <a:extLst>
               <a:ext uri="{91240B29-F687-4f45-9708-019B960494DF}">
-                <a14:hiddenLine xmlns="" xmlns:a14="http://schemas.microsoft.com/office/drawing/2010/main" w="9525">
+                <a14:hiddenLine xmlns:a14="http://schemas.microsoft.com/office/drawing/2010/main" xmlns="" w="9525">
                   <a:solidFill>
                     <a:srgbClr val="000000"/>
                   </a:solidFill>
@@ -1317,7 +1319,7 @@
             </a:ln>
             <a:extLst>
               <a:ext uri="{91240B29-F687-4f45-9708-019B960494DF}">
-                <a14:hiddenLine xmlns="" xmlns:a14="http://schemas.microsoft.com/office/drawing/2010/main" w="9525">
+                <a14:hiddenLine xmlns:a14="http://schemas.microsoft.com/office/drawing/2010/main" xmlns="" w="9525">
                   <a:solidFill>
                     <a:srgbClr val="000000"/>
                   </a:solidFill>
@@ -1407,7 +1409,7 @@
             </a:ln>
             <a:extLst>
               <a:ext uri="{91240B29-F687-4f45-9708-019B960494DF}">
-                <a14:hiddenLine xmlns="" xmlns:a14="http://schemas.microsoft.com/office/drawing/2010/main" w="9525">
+                <a14:hiddenLine xmlns:a14="http://schemas.microsoft.com/office/drawing/2010/main" xmlns="" w="9525">
                   <a:solidFill>
                     <a:srgbClr val="000000"/>
                   </a:solidFill>
@@ -1469,7 +1471,7 @@
             </a:ln>
             <a:extLst>
               <a:ext uri="{91240B29-F687-4f45-9708-019B960494DF}">
-                <a14:hiddenLine xmlns="" xmlns:a14="http://schemas.microsoft.com/office/drawing/2010/main" w="9525">
+                <a14:hiddenLine xmlns:a14="http://schemas.microsoft.com/office/drawing/2010/main" xmlns="" w="9525">
                   <a:solidFill>
                     <a:srgbClr val="000000"/>
                   </a:solidFill>
@@ -1579,7 +1581,7 @@
             </a:ln>
             <a:extLst>
               <a:ext uri="{91240B29-F687-4f45-9708-019B960494DF}">
-                <a14:hiddenLine xmlns="" xmlns:a14="http://schemas.microsoft.com/office/drawing/2010/main" w="9525">
+                <a14:hiddenLine xmlns:a14="http://schemas.microsoft.com/office/drawing/2010/main" xmlns="" w="9525">
                   <a:solidFill>
                     <a:srgbClr val="000000"/>
                   </a:solidFill>
@@ -1641,7 +1643,7 @@
             </a:ln>
             <a:extLst>
               <a:ext uri="{91240B29-F687-4f45-9708-019B960494DF}">
-                <a14:hiddenLine xmlns="" xmlns:a14="http://schemas.microsoft.com/office/drawing/2010/main" w="9525">
+                <a14:hiddenLine xmlns:a14="http://schemas.microsoft.com/office/drawing/2010/main" xmlns="" w="9525">
                   <a:solidFill>
                     <a:srgbClr val="000000"/>
                   </a:solidFill>
@@ -1731,7 +1733,7 @@
             </a:ln>
             <a:extLst>
               <a:ext uri="{91240B29-F687-4f45-9708-019B960494DF}">
-                <a14:hiddenLine xmlns="" xmlns:a14="http://schemas.microsoft.com/office/drawing/2010/main" w="9525">
+                <a14:hiddenLine xmlns:a14="http://schemas.microsoft.com/office/drawing/2010/main" xmlns="" w="9525">
                   <a:solidFill>
                     <a:srgbClr val="000000"/>
                   </a:solidFill>
@@ -1821,7 +1823,7 @@
             </a:ln>
             <a:extLst>
               <a:ext uri="{91240B29-F687-4f45-9708-019B960494DF}">
-                <a14:hiddenLine xmlns="" xmlns:a14="http://schemas.microsoft.com/office/drawing/2010/main" w="9525">
+                <a14:hiddenLine xmlns:a14="http://schemas.microsoft.com/office/drawing/2010/main" xmlns="" w="9525">
                   <a:solidFill>
                     <a:srgbClr val="000000"/>
                   </a:solidFill>
@@ -1883,7 +1885,7 @@
             </a:ln>
             <a:extLst>
               <a:ext uri="{91240B29-F687-4f45-9708-019B960494DF}">
-                <a14:hiddenLine xmlns="" xmlns:a14="http://schemas.microsoft.com/office/drawing/2010/main" w="9525">
+                <a14:hiddenLine xmlns:a14="http://schemas.microsoft.com/office/drawing/2010/main" xmlns="" w="9525">
                   <a:solidFill>
                     <a:srgbClr val="000000"/>
                   </a:solidFill>
@@ -1973,7 +1975,7 @@
             </a:ln>
             <a:extLst>
               <a:ext uri="{91240B29-F687-4f45-9708-019B960494DF}">
-                <a14:hiddenLine xmlns="" xmlns:a14="http://schemas.microsoft.com/office/drawing/2010/main" w="9525">
+                <a14:hiddenLine xmlns:a14="http://schemas.microsoft.com/office/drawing/2010/main" xmlns="" w="9525">
                   <a:solidFill>
                     <a:srgbClr val="000000"/>
                   </a:solidFill>
@@ -2063,7 +2065,7 @@
             </a:ln>
             <a:extLst>
               <a:ext uri="{91240B29-F687-4f45-9708-019B960494DF}">
-                <a14:hiddenLine xmlns="" xmlns:a14="http://schemas.microsoft.com/office/drawing/2010/main" w="9525">
+                <a14:hiddenLine xmlns:a14="http://schemas.microsoft.com/office/drawing/2010/main" xmlns="" w="9525">
                   <a:solidFill>
                     <a:srgbClr val="000000"/>
                   </a:solidFill>
@@ -2119,7 +2121,7 @@
             </a:ln>
             <a:extLst>
               <a:ext uri="{91240B29-F687-4f45-9708-019B960494DF}">
-                <a14:hiddenLine xmlns="" xmlns:a14="http://schemas.microsoft.com/office/drawing/2010/main" w="9525">
+                <a14:hiddenLine xmlns:a14="http://schemas.microsoft.com/office/drawing/2010/main" xmlns="" w="9525">
                   <a:solidFill>
                     <a:srgbClr val="000000"/>
                   </a:solidFill>
@@ -2209,7 +2211,7 @@
             </a:ln>
             <a:extLst>
               <a:ext uri="{91240B29-F687-4f45-9708-019B960494DF}">
-                <a14:hiddenLine xmlns="" xmlns:a14="http://schemas.microsoft.com/office/drawing/2010/main" w="9525">
+                <a14:hiddenLine xmlns:a14="http://schemas.microsoft.com/office/drawing/2010/main" xmlns="" w="9525">
                   <a:solidFill>
                     <a:srgbClr val="000000"/>
                   </a:solidFill>
@@ -2265,7 +2267,7 @@
             </a:ln>
             <a:extLst>
               <a:ext uri="{91240B29-F687-4f45-9708-019B960494DF}">
-                <a14:hiddenLine xmlns="" xmlns:a14="http://schemas.microsoft.com/office/drawing/2010/main" w="9525">
+                <a14:hiddenLine xmlns:a14="http://schemas.microsoft.com/office/drawing/2010/main" xmlns="" w="9525">
                   <a:solidFill>
                     <a:srgbClr val="000000"/>
                   </a:solidFill>
@@ -2355,7 +2357,7 @@
             </a:ln>
             <a:extLst>
               <a:ext uri="{91240B29-F687-4f45-9708-019B960494DF}">
-                <a14:hiddenLine xmlns="" xmlns:a14="http://schemas.microsoft.com/office/drawing/2010/main" w="9525">
+                <a14:hiddenLine xmlns:a14="http://schemas.microsoft.com/office/drawing/2010/main" xmlns="" w="9525">
                   <a:solidFill>
                     <a:srgbClr val="000000"/>
                   </a:solidFill>
@@ -2423,7 +2425,7 @@
             </a:ln>
             <a:extLst>
               <a:ext uri="{91240B29-F687-4f45-9708-019B960494DF}">
-                <a14:hiddenLine xmlns="" xmlns:a14="http://schemas.microsoft.com/office/drawing/2010/main" w="9525">
+                <a14:hiddenLine xmlns:a14="http://schemas.microsoft.com/office/drawing/2010/main" xmlns="" w="9525">
                   <a:solidFill>
                     <a:srgbClr val="000000"/>
                   </a:solidFill>
@@ -2513,7 +2515,7 @@
             </a:ln>
             <a:extLst>
               <a:ext uri="{91240B29-F687-4f45-9708-019B960494DF}">
-                <a14:hiddenLine xmlns="" xmlns:a14="http://schemas.microsoft.com/office/drawing/2010/main" w="9525">
+                <a14:hiddenLine xmlns:a14="http://schemas.microsoft.com/office/drawing/2010/main" xmlns="" w="9525">
                   <a:solidFill>
                     <a:srgbClr val="000000"/>
                   </a:solidFill>
@@ -2581,7 +2583,7 @@
             </a:ln>
             <a:extLst>
               <a:ext uri="{91240B29-F687-4f45-9708-019B960494DF}">
-                <a14:hiddenLine xmlns="" xmlns:a14="http://schemas.microsoft.com/office/drawing/2010/main" w="9525">
+                <a14:hiddenLine xmlns:a14="http://schemas.microsoft.com/office/drawing/2010/main" xmlns="" w="9525">
                   <a:solidFill>
                     <a:srgbClr val="000000"/>
                   </a:solidFill>
@@ -2671,7 +2673,7 @@
             </a:ln>
             <a:extLst>
               <a:ext uri="{91240B29-F687-4f45-9708-019B960494DF}">
-                <a14:hiddenLine xmlns="" xmlns:a14="http://schemas.microsoft.com/office/drawing/2010/main" w="9525">
+                <a14:hiddenLine xmlns:a14="http://schemas.microsoft.com/office/drawing/2010/main" xmlns="" w="9525">
                   <a:solidFill>
                     <a:srgbClr val="000000"/>
                   </a:solidFill>
@@ -2705,7 +2707,7 @@
             </a:ln>
             <a:extLst>
               <a:ext uri="{91240B29-F687-4f45-9708-019B960494DF}">
-                <a14:hiddenLine xmlns="" xmlns:a14="http://schemas.microsoft.com/office/drawing/2010/main" w="9525">
+                <a14:hiddenLine xmlns:a14="http://schemas.microsoft.com/office/drawing/2010/main" xmlns="" w="9525">
                   <a:solidFill>
                     <a:srgbClr val="000000"/>
                   </a:solidFill>
@@ -2795,7 +2797,7 @@
             </a:ln>
             <a:extLst>
               <a:ext uri="{91240B29-F687-4f45-9708-019B960494DF}">
-                <a14:hiddenLine xmlns="" xmlns:a14="http://schemas.microsoft.com/office/drawing/2010/main" w="9525">
+                <a14:hiddenLine xmlns:a14="http://schemas.microsoft.com/office/drawing/2010/main" xmlns="" w="9525">
                   <a:solidFill>
                     <a:srgbClr val="000000"/>
                   </a:solidFill>
@@ -2857,7 +2859,7 @@
             </a:ln>
             <a:extLst>
               <a:ext uri="{91240B29-F687-4f45-9708-019B960494DF}">
-                <a14:hiddenLine xmlns="" xmlns:a14="http://schemas.microsoft.com/office/drawing/2010/main" w="9525">
+                <a14:hiddenLine xmlns:a14="http://schemas.microsoft.com/office/drawing/2010/main" xmlns="" w="9525">
                   <a:solidFill>
                     <a:srgbClr val="000000"/>
                   </a:solidFill>
@@ -2919,7 +2921,7 @@
             </a:ln>
             <a:extLst>
               <a:ext uri="{91240B29-F687-4f45-9708-019B960494DF}">
-                <a14:hiddenLine xmlns="" xmlns:a14="http://schemas.microsoft.com/office/drawing/2010/main" w="9525">
+                <a14:hiddenLine xmlns:a14="http://schemas.microsoft.com/office/drawing/2010/main" xmlns="" w="9525">
                   <a:solidFill>
                     <a:srgbClr val="000000"/>
                   </a:solidFill>
@@ -3009,7 +3011,7 @@
             </a:ln>
             <a:extLst>
               <a:ext uri="{91240B29-F687-4f45-9708-019B960494DF}">
-                <a14:hiddenLine xmlns="" xmlns:a14="http://schemas.microsoft.com/office/drawing/2010/main" w="9525">
+                <a14:hiddenLine xmlns:a14="http://schemas.microsoft.com/office/drawing/2010/main" xmlns="" w="9525">
                   <a:solidFill>
                     <a:srgbClr val="000000"/>
                   </a:solidFill>
@@ -3077,7 +3079,7 @@
             </a:ln>
             <a:extLst>
               <a:ext uri="{91240B29-F687-4f45-9708-019B960494DF}">
-                <a14:hiddenLine xmlns="" xmlns:a14="http://schemas.microsoft.com/office/drawing/2010/main" w="9525">
+                <a14:hiddenLine xmlns:a14="http://schemas.microsoft.com/office/drawing/2010/main" xmlns="" w="9525">
                   <a:solidFill>
                     <a:srgbClr val="000000"/>
                   </a:solidFill>
@@ -3139,7 +3141,7 @@
             </a:ln>
             <a:extLst>
               <a:ext uri="{91240B29-F687-4f45-9708-019B960494DF}">
-                <a14:hiddenLine xmlns="" xmlns:a14="http://schemas.microsoft.com/office/drawing/2010/main" w="9525">
+                <a14:hiddenLine xmlns:a14="http://schemas.microsoft.com/office/drawing/2010/main" xmlns="" w="9525">
                   <a:solidFill>
                     <a:srgbClr val="000000"/>
                   </a:solidFill>
@@ -3229,7 +3231,7 @@
             </a:ln>
             <a:extLst>
               <a:ext uri="{91240B29-F687-4f45-9708-019B960494DF}">
-                <a14:hiddenLine xmlns="" xmlns:a14="http://schemas.microsoft.com/office/drawing/2010/main" w="9525">
+                <a14:hiddenLine xmlns:a14="http://schemas.microsoft.com/office/drawing/2010/main" xmlns="" w="9525">
                   <a:solidFill>
                     <a:srgbClr val="000000"/>
                   </a:solidFill>
@@ -3291,7 +3293,7 @@
             </a:ln>
             <a:extLst>
               <a:ext uri="{91240B29-F687-4f45-9708-019B960494DF}">
-                <a14:hiddenLine xmlns="" xmlns:a14="http://schemas.microsoft.com/office/drawing/2010/main" w="9525">
+                <a14:hiddenLine xmlns:a14="http://schemas.microsoft.com/office/drawing/2010/main" xmlns="" w="9525">
                   <a:solidFill>
                     <a:srgbClr val="000000"/>
                   </a:solidFill>
@@ -3381,7 +3383,7 @@
             </a:ln>
             <a:extLst>
               <a:ext uri="{91240B29-F687-4f45-9708-019B960494DF}">
-                <a14:hiddenLine xmlns="" xmlns:a14="http://schemas.microsoft.com/office/drawing/2010/main" w="9525">
+                <a14:hiddenLine xmlns:a14="http://schemas.microsoft.com/office/drawing/2010/main" xmlns="" w="9525">
                   <a:solidFill>
                     <a:srgbClr val="000000"/>
                   </a:solidFill>
@@ -3443,7 +3445,7 @@
             </a:ln>
             <a:extLst>
               <a:ext uri="{91240B29-F687-4f45-9708-019B960494DF}">
-                <a14:hiddenLine xmlns="" xmlns:a14="http://schemas.microsoft.com/office/drawing/2010/main" w="9525">
+                <a14:hiddenLine xmlns:a14="http://schemas.microsoft.com/office/drawing/2010/main" xmlns="" w="9525">
                   <a:solidFill>
                     <a:srgbClr val="000000"/>
                   </a:solidFill>
@@ -3533,7 +3535,7 @@
             </a:ln>
             <a:extLst>
               <a:ext uri="{91240B29-F687-4f45-9708-019B960494DF}">
-                <a14:hiddenLine xmlns="" xmlns:a14="http://schemas.microsoft.com/office/drawing/2010/main" w="9525">
+                <a14:hiddenLine xmlns:a14="http://schemas.microsoft.com/office/drawing/2010/main" xmlns="" w="9525">
                   <a:solidFill>
                     <a:srgbClr val="000000"/>
                   </a:solidFill>
@@ -3567,7 +3569,7 @@
             </a:ln>
             <a:extLst>
               <a:ext uri="{91240B29-F687-4f45-9708-019B960494DF}">
-                <a14:hiddenLine xmlns="" xmlns:a14="http://schemas.microsoft.com/office/drawing/2010/main" w="9525">
+                <a14:hiddenLine xmlns:a14="http://schemas.microsoft.com/office/drawing/2010/main" xmlns="" w="9525">
                   <a:solidFill>
                     <a:srgbClr val="000000"/>
                   </a:solidFill>
@@ -3632,7 +3634,7 @@
             </a:ln>
             <a:extLst>
               <a:ext uri="{91240B29-F687-4f45-9708-019B960494DF}">
-                <a14:hiddenLine xmlns="" xmlns:a14="http://schemas.microsoft.com/office/drawing/2010/main" w="9525">
+                <a14:hiddenLine xmlns:a14="http://schemas.microsoft.com/office/drawing/2010/main" xmlns="" w="9525">
                   <a:solidFill>
                     <a:srgbClr val="000000"/>
                   </a:solidFill>
@@ -3722,7 +3724,7 @@
             </a:ln>
             <a:extLst>
               <a:ext uri="{91240B29-F687-4f45-9708-019B960494DF}">
-                <a14:hiddenLine xmlns="" xmlns:a14="http://schemas.microsoft.com/office/drawing/2010/main" w="9525">
+                <a14:hiddenLine xmlns:a14="http://schemas.microsoft.com/office/drawing/2010/main" xmlns="" w="9525">
                   <a:solidFill>
                     <a:srgbClr val="000000"/>
                   </a:solidFill>
@@ -3784,7 +3786,7 @@
             </a:ln>
             <a:extLst>
               <a:ext uri="{91240B29-F687-4f45-9708-019B960494DF}">
-                <a14:hiddenLine xmlns="" xmlns:a14="http://schemas.microsoft.com/office/drawing/2010/main" w="9525">
+                <a14:hiddenLine xmlns:a14="http://schemas.microsoft.com/office/drawing/2010/main" xmlns="" w="9525">
                   <a:solidFill>
                     <a:srgbClr val="000000"/>
                   </a:solidFill>
@@ -3874,7 +3876,7 @@
             </a:ln>
             <a:extLst>
               <a:ext uri="{91240B29-F687-4f45-9708-019B960494DF}">
-                <a14:hiddenLine xmlns="" xmlns:a14="http://schemas.microsoft.com/office/drawing/2010/main" w="9525">
+                <a14:hiddenLine xmlns:a14="http://schemas.microsoft.com/office/drawing/2010/main" xmlns="" w="9525">
                   <a:solidFill>
                     <a:srgbClr val="000000"/>
                   </a:solidFill>
@@ -3964,7 +3966,7 @@
             </a:ln>
             <a:extLst>
               <a:ext uri="{91240B29-F687-4f45-9708-019B960494DF}">
-                <a14:hiddenLine xmlns="" xmlns:a14="http://schemas.microsoft.com/office/drawing/2010/main" w="9525">
+                <a14:hiddenLine xmlns:a14="http://schemas.microsoft.com/office/drawing/2010/main" xmlns="" w="9525">
                   <a:solidFill>
                     <a:srgbClr val="000000"/>
                   </a:solidFill>
@@ -4029,7 +4031,7 @@
             </a:ln>
             <a:extLst>
               <a:ext uri="{91240B29-F687-4f45-9708-019B960494DF}">
-                <a14:hiddenLine xmlns="" xmlns:a14="http://schemas.microsoft.com/office/drawing/2010/main" w="9525">
+                <a14:hiddenLine xmlns:a14="http://schemas.microsoft.com/office/drawing/2010/main" xmlns="" w="9525">
                   <a:solidFill>
                     <a:srgbClr val="000000"/>
                   </a:solidFill>
@@ -4091,7 +4093,7 @@
             </a:ln>
             <a:extLst>
               <a:ext uri="{91240B29-F687-4f45-9708-019B960494DF}">
-                <a14:hiddenLine xmlns="" xmlns:a14="http://schemas.microsoft.com/office/drawing/2010/main" w="9525">
+                <a14:hiddenLine xmlns:a14="http://schemas.microsoft.com/office/drawing/2010/main" xmlns="" w="9525">
                   <a:solidFill>
                     <a:srgbClr val="000000"/>
                   </a:solidFill>
@@ -4181,7 +4183,7 @@
             </a:ln>
             <a:extLst>
               <a:ext uri="{91240B29-F687-4f45-9708-019B960494DF}">
-                <a14:hiddenLine xmlns="" xmlns:a14="http://schemas.microsoft.com/office/drawing/2010/main" w="9525">
+                <a14:hiddenLine xmlns:a14="http://schemas.microsoft.com/office/drawing/2010/main" xmlns="" w="9525">
                   <a:solidFill>
                     <a:srgbClr val="000000"/>
                   </a:solidFill>
@@ -4271,7 +4273,7 @@
             </a:ln>
             <a:extLst>
               <a:ext uri="{91240B29-F687-4f45-9708-019B960494DF}">
-                <a14:hiddenLine xmlns="" xmlns:a14="http://schemas.microsoft.com/office/drawing/2010/main" w="9525">
+                <a14:hiddenLine xmlns:a14="http://schemas.microsoft.com/office/drawing/2010/main" xmlns="" w="9525">
                   <a:solidFill>
                     <a:srgbClr val="000000"/>
                   </a:solidFill>
@@ -4333,7 +4335,7 @@
             </a:ln>
             <a:extLst>
               <a:ext uri="{91240B29-F687-4f45-9708-019B960494DF}">
-                <a14:hiddenLine xmlns="" xmlns:a14="http://schemas.microsoft.com/office/drawing/2010/main" w="9525">
+                <a14:hiddenLine xmlns:a14="http://schemas.microsoft.com/office/drawing/2010/main" xmlns="" w="9525">
                   <a:solidFill>
                     <a:srgbClr val="000000"/>
                   </a:solidFill>
@@ -4453,7 +4455,7 @@
             </a:ln>
             <a:extLst>
               <a:ext uri="{91240B29-F687-4f45-9708-019B960494DF}">
-                <a14:hiddenLine xmlns="" xmlns:a14="http://schemas.microsoft.com/office/drawing/2010/main" w="9525">
+                <a14:hiddenLine xmlns:a14="http://schemas.microsoft.com/office/drawing/2010/main" xmlns="" w="9525">
                   <a:solidFill>
                     <a:srgbClr val="000000"/>
                   </a:solidFill>
@@ -4521,7 +4523,7 @@
             </a:ln>
             <a:extLst>
               <a:ext uri="{91240B29-F687-4f45-9708-019B960494DF}">
-                <a14:hiddenLine xmlns="" xmlns:a14="http://schemas.microsoft.com/office/drawing/2010/main" w="9525">
+                <a14:hiddenLine xmlns:a14="http://schemas.microsoft.com/office/drawing/2010/main" xmlns="" w="9525">
                   <a:solidFill>
                     <a:srgbClr val="000000"/>
                   </a:solidFill>
@@ -4611,7 +4613,7 @@
             </a:ln>
             <a:extLst>
               <a:ext uri="{91240B29-F687-4f45-9708-019B960494DF}">
-                <a14:hiddenLine xmlns="" xmlns:a14="http://schemas.microsoft.com/office/drawing/2010/main" w="9525">
+                <a14:hiddenLine xmlns:a14="http://schemas.microsoft.com/office/drawing/2010/main" xmlns="" w="9525">
                   <a:solidFill>
                     <a:srgbClr val="000000"/>
                   </a:solidFill>
@@ -4751,7 +4753,7 @@
           <a:p>
             <a:fld id="{48A87A34-81AB-432B-8DAE-1953F412C126}" type="datetimeFigureOut">
               <a:rPr lang="en-US" dirty="0"/>
-              <a:t>12/19/16</a:t>
+              <a:t>12/20/16</a:t>
             </a:fld>
             <a:endParaRPr lang="en-US" dirty="0"/>
           </a:p>
@@ -5013,7 +5015,7 @@
           <a:p>
             <a:fld id="{48A87A34-81AB-432B-8DAE-1953F412C126}" type="datetimeFigureOut">
               <a:rPr lang="en-US" dirty="0"/>
-              <a:t>12/19/16</a:t>
+              <a:t>12/20/16</a:t>
             </a:fld>
             <a:endParaRPr lang="en-US" dirty="0"/>
           </a:p>
@@ -5204,7 +5206,7 @@
           <a:p>
             <a:fld id="{48A87A34-81AB-432B-8DAE-1953F412C126}" type="datetimeFigureOut">
               <a:rPr lang="en-US" dirty="0"/>
-              <a:t>12/19/16</a:t>
+              <a:t>12/20/16</a:t>
             </a:fld>
             <a:endParaRPr lang="en-US" dirty="0"/>
           </a:p>
@@ -5462,7 +5464,7 @@
           <a:p>
             <a:fld id="{48A87A34-81AB-432B-8DAE-1953F412C126}" type="datetimeFigureOut">
               <a:rPr lang="en-US" dirty="0"/>
-              <a:t>12/19/16</a:t>
+              <a:t>12/20/16</a:t>
             </a:fld>
             <a:endParaRPr lang="en-US" dirty="0"/>
           </a:p>
@@ -5891,7 +5893,7 @@
           <a:p>
             <a:fld id="{48A87A34-81AB-432B-8DAE-1953F412C126}" type="datetimeFigureOut">
               <a:rPr lang="en-US" dirty="0"/>
-              <a:t>12/19/16</a:t>
+              <a:t>12/20/16</a:t>
             </a:fld>
             <a:endParaRPr lang="en-US" dirty="0"/>
           </a:p>
@@ -6432,7 +6434,7 @@
           <a:p>
             <a:fld id="{48A87A34-81AB-432B-8DAE-1953F412C126}" type="datetimeFigureOut">
               <a:rPr lang="en-US" dirty="0"/>
-              <a:t>12/19/16</a:t>
+              <a:t>12/20/16</a:t>
             </a:fld>
             <a:endParaRPr lang="en-US" dirty="0"/>
           </a:p>
@@ -7147,7 +7149,7 @@
           <a:p>
             <a:fld id="{48A87A34-81AB-432B-8DAE-1953F412C126}" type="datetimeFigureOut">
               <a:rPr lang="en-US" dirty="0"/>
-              <a:t>12/19/16</a:t>
+              <a:t>12/20/16</a:t>
             </a:fld>
             <a:endParaRPr lang="en-US" dirty="0"/>
           </a:p>
@@ -7312,7 +7314,7 @@
           <a:p>
             <a:fld id="{48A87A34-81AB-432B-8DAE-1953F412C126}" type="datetimeFigureOut">
               <a:rPr lang="en-US" dirty="0"/>
-              <a:t>12/19/16</a:t>
+              <a:t>12/20/16</a:t>
             </a:fld>
             <a:endParaRPr lang="en-US" dirty="0"/>
           </a:p>
@@ -7487,7 +7489,7 @@
           <a:p>
             <a:fld id="{48A87A34-81AB-432B-8DAE-1953F412C126}" type="datetimeFigureOut">
               <a:rPr lang="en-US" dirty="0"/>
-              <a:t>12/19/16</a:t>
+              <a:t>12/20/16</a:t>
             </a:fld>
             <a:endParaRPr lang="en-US" dirty="0"/>
           </a:p>
@@ -7652,7 +7654,7 @@
           <a:p>
             <a:fld id="{48A87A34-81AB-432B-8DAE-1953F412C126}" type="datetimeFigureOut">
               <a:rPr lang="en-US" dirty="0"/>
-              <a:t>12/19/16</a:t>
+              <a:t>12/20/16</a:t>
             </a:fld>
             <a:endParaRPr lang="en-US" dirty="0"/>
           </a:p>
@@ -7897,7 +7899,7 @@
           <a:p>
             <a:fld id="{48A87A34-81AB-432B-8DAE-1953F412C126}" type="datetimeFigureOut">
               <a:rPr lang="en-US" dirty="0"/>
-              <a:t>12/19/16</a:t>
+              <a:t>12/20/16</a:t>
             </a:fld>
             <a:endParaRPr lang="en-US" dirty="0"/>
           </a:p>
@@ -8124,7 +8126,7 @@
           <a:p>
             <a:fld id="{48A87A34-81AB-432B-8DAE-1953F412C126}" type="datetimeFigureOut">
               <a:rPr lang="en-US" dirty="0"/>
-              <a:t>12/19/16</a:t>
+              <a:t>12/20/16</a:t>
             </a:fld>
             <a:endParaRPr lang="en-US" dirty="0"/>
           </a:p>
@@ -8500,7 +8502,7 @@
           <a:p>
             <a:fld id="{48A87A34-81AB-432B-8DAE-1953F412C126}" type="datetimeFigureOut">
               <a:rPr lang="en-US" dirty="0"/>
-              <a:t>12/19/16</a:t>
+              <a:t>12/20/16</a:t>
             </a:fld>
             <a:endParaRPr lang="en-US" dirty="0"/>
           </a:p>
@@ -8613,7 +8615,7 @@
           <a:p>
             <a:fld id="{48A87A34-81AB-432B-8DAE-1953F412C126}" type="datetimeFigureOut">
               <a:rPr lang="en-US" dirty="0"/>
-              <a:t>12/19/16</a:t>
+              <a:t>12/20/16</a:t>
             </a:fld>
             <a:endParaRPr lang="en-US" dirty="0"/>
           </a:p>
@@ -8703,7 +8705,7 @@
           <a:p>
             <a:fld id="{48A87A34-81AB-432B-8DAE-1953F412C126}" type="datetimeFigureOut">
               <a:rPr lang="en-US" dirty="0"/>
-              <a:t>12/19/16</a:t>
+              <a:t>12/20/16</a:t>
             </a:fld>
             <a:endParaRPr lang="en-US" dirty="0"/>
           </a:p>
@@ -8947,7 +8949,7 @@
           <a:p>
             <a:fld id="{48A87A34-81AB-432B-8DAE-1953F412C126}" type="datetimeFigureOut">
               <a:rPr lang="en-US" dirty="0"/>
-              <a:t>12/19/16</a:t>
+              <a:t>12/20/16</a:t>
             </a:fld>
             <a:endParaRPr lang="en-US" dirty="0"/>
           </a:p>
@@ -9222,7 +9224,7 @@
           <a:p>
             <a:fld id="{48A87A34-81AB-432B-8DAE-1953F412C126}" type="datetimeFigureOut">
               <a:rPr lang="en-US" dirty="0"/>
-              <a:t>12/19/16</a:t>
+              <a:t>12/20/16</a:t>
             </a:fld>
             <a:endParaRPr lang="en-US" dirty="0"/>
           </a:p>
@@ -9333,7 +9335,7 @@
           <a:noFill/>
           <a:extLst>
             <a:ext uri="{909E8E84-426E-40dd-AFC4-6F175D3DCCD1}">
-              <a14:hiddenFill xmlns="" xmlns:a14="http://schemas.microsoft.com/office/drawing/2010/main">
+              <a14:hiddenFill xmlns:a14="http://schemas.microsoft.com/office/drawing/2010/main" xmlns="">
                 <a:solidFill>
                   <a:srgbClr val="FFFFFF"/>
                 </a:solidFill>
@@ -9407,7 +9409,7 @@
               </a:ln>
               <a:extLst>
                 <a:ext uri="{91240B29-F687-4f45-9708-019B960494DF}">
-                  <a14:hiddenLine xmlns="" xmlns:a14="http://schemas.microsoft.com/office/drawing/2010/main" w="9525">
+                  <a14:hiddenLine xmlns:a14="http://schemas.microsoft.com/office/drawing/2010/main" xmlns="" w="9525">
                     <a:solidFill>
                       <a:srgbClr val="000000"/>
                     </a:solidFill>
@@ -9497,7 +9499,7 @@
               </a:ln>
               <a:extLst>
                 <a:ext uri="{91240B29-F687-4f45-9708-019B960494DF}">
-                  <a14:hiddenLine xmlns="" xmlns:a14="http://schemas.microsoft.com/office/drawing/2010/main" w="9525">
+                  <a14:hiddenLine xmlns:a14="http://schemas.microsoft.com/office/drawing/2010/main" xmlns="" w="9525">
                     <a:solidFill>
                       <a:srgbClr val="000000"/>
                     </a:solidFill>
@@ -9587,7 +9589,7 @@
               </a:ln>
               <a:extLst>
                 <a:ext uri="{91240B29-F687-4f45-9708-019B960494DF}">
-                  <a14:hiddenLine xmlns="" xmlns:a14="http://schemas.microsoft.com/office/drawing/2010/main" w="9525">
+                  <a14:hiddenLine xmlns:a14="http://schemas.microsoft.com/office/drawing/2010/main" xmlns="" w="9525">
                     <a:solidFill>
                       <a:srgbClr val="000000"/>
                     </a:solidFill>
@@ -9649,7 +9651,7 @@
               </a:ln>
               <a:extLst>
                 <a:ext uri="{91240B29-F687-4f45-9708-019B960494DF}">
-                  <a14:hiddenLine xmlns="" xmlns:a14="http://schemas.microsoft.com/office/drawing/2010/main" w="9525">
+                  <a14:hiddenLine xmlns:a14="http://schemas.microsoft.com/office/drawing/2010/main" xmlns="" w="9525">
                     <a:solidFill>
                       <a:srgbClr val="000000"/>
                     </a:solidFill>
@@ -9739,7 +9741,7 @@
               </a:ln>
               <a:extLst>
                 <a:ext uri="{91240B29-F687-4f45-9708-019B960494DF}">
-                  <a14:hiddenLine xmlns="" xmlns:a14="http://schemas.microsoft.com/office/drawing/2010/main" w="9525">
+                  <a14:hiddenLine xmlns:a14="http://schemas.microsoft.com/office/drawing/2010/main" xmlns="" w="9525">
                     <a:solidFill>
                       <a:srgbClr val="000000"/>
                     </a:solidFill>
@@ -9801,7 +9803,7 @@
               </a:ln>
               <a:extLst>
                 <a:ext uri="{91240B29-F687-4f45-9708-019B960494DF}">
-                  <a14:hiddenLine xmlns="" xmlns:a14="http://schemas.microsoft.com/office/drawing/2010/main" w="9525">
+                  <a14:hiddenLine xmlns:a14="http://schemas.microsoft.com/office/drawing/2010/main" xmlns="" w="9525">
                     <a:solidFill>
                       <a:srgbClr val="000000"/>
                     </a:solidFill>
@@ -9863,7 +9865,7 @@
               </a:ln>
               <a:extLst>
                 <a:ext uri="{91240B29-F687-4f45-9708-019B960494DF}">
-                  <a14:hiddenLine xmlns="" xmlns:a14="http://schemas.microsoft.com/office/drawing/2010/main" w="9525">
+                  <a14:hiddenLine xmlns:a14="http://schemas.microsoft.com/office/drawing/2010/main" xmlns="" w="9525">
                     <a:solidFill>
                       <a:srgbClr val="000000"/>
                     </a:solidFill>
@@ -9953,7 +9955,7 @@
               </a:ln>
               <a:extLst>
                 <a:ext uri="{91240B29-F687-4f45-9708-019B960494DF}">
-                  <a14:hiddenLine xmlns="" xmlns:a14="http://schemas.microsoft.com/office/drawing/2010/main" w="9525">
+                  <a14:hiddenLine xmlns:a14="http://schemas.microsoft.com/office/drawing/2010/main" xmlns="" w="9525">
                     <a:solidFill>
                       <a:srgbClr val="000000"/>
                     </a:solidFill>
@@ -10043,7 +10045,7 @@
               </a:ln>
               <a:extLst>
                 <a:ext uri="{91240B29-F687-4f45-9708-019B960494DF}">
-                  <a14:hiddenLine xmlns="" xmlns:a14="http://schemas.microsoft.com/office/drawing/2010/main" w="9525">
+                  <a14:hiddenLine xmlns:a14="http://schemas.microsoft.com/office/drawing/2010/main" xmlns="" w="9525">
                     <a:solidFill>
                       <a:srgbClr val="000000"/>
                     </a:solidFill>
@@ -10105,7 +10107,7 @@
               </a:ln>
               <a:extLst>
                 <a:ext uri="{91240B29-F687-4f45-9708-019B960494DF}">
-                  <a14:hiddenLine xmlns="" xmlns:a14="http://schemas.microsoft.com/office/drawing/2010/main" w="9525">
+                  <a14:hiddenLine xmlns:a14="http://schemas.microsoft.com/office/drawing/2010/main" xmlns="" w="9525">
                     <a:solidFill>
                       <a:srgbClr val="000000"/>
                     </a:solidFill>
@@ -10215,7 +10217,7 @@
               </a:ln>
               <a:extLst>
                 <a:ext uri="{91240B29-F687-4f45-9708-019B960494DF}">
-                  <a14:hiddenLine xmlns="" xmlns:a14="http://schemas.microsoft.com/office/drawing/2010/main" w="9525">
+                  <a14:hiddenLine xmlns:a14="http://schemas.microsoft.com/office/drawing/2010/main" xmlns="" w="9525">
                     <a:solidFill>
                       <a:srgbClr val="000000"/>
                     </a:solidFill>
@@ -10299,7 +10301,7 @@
               </a:ln>
               <a:extLst>
                 <a:ext uri="{91240B29-F687-4f45-9708-019B960494DF}">
-                  <a14:hiddenLine xmlns="" xmlns:a14="http://schemas.microsoft.com/office/drawing/2010/main" w="9525">
+                  <a14:hiddenLine xmlns:a14="http://schemas.microsoft.com/office/drawing/2010/main" xmlns="" w="9525">
                     <a:solidFill>
                       <a:srgbClr val="000000"/>
                     </a:solidFill>
@@ -10361,7 +10363,7 @@
               </a:ln>
               <a:extLst>
                 <a:ext uri="{91240B29-F687-4f45-9708-019B960494DF}">
-                  <a14:hiddenLine xmlns="" xmlns:a14="http://schemas.microsoft.com/office/drawing/2010/main" w="9525">
+                  <a14:hiddenLine xmlns:a14="http://schemas.microsoft.com/office/drawing/2010/main" xmlns="" w="9525">
                     <a:solidFill>
                       <a:srgbClr val="000000"/>
                     </a:solidFill>
@@ -10423,7 +10425,7 @@
               </a:ln>
               <a:extLst>
                 <a:ext uri="{91240B29-F687-4f45-9708-019B960494DF}">
-                  <a14:hiddenLine xmlns="" xmlns:a14="http://schemas.microsoft.com/office/drawing/2010/main" w="9525">
+                  <a14:hiddenLine xmlns:a14="http://schemas.microsoft.com/office/drawing/2010/main" xmlns="" w="9525">
                     <a:solidFill>
                       <a:srgbClr val="000000"/>
                     </a:solidFill>
@@ -10513,7 +10515,7 @@
               </a:ln>
               <a:extLst>
                 <a:ext uri="{91240B29-F687-4f45-9708-019B960494DF}">
-                  <a14:hiddenLine xmlns="" xmlns:a14="http://schemas.microsoft.com/office/drawing/2010/main" w="9525">
+                  <a14:hiddenLine xmlns:a14="http://schemas.microsoft.com/office/drawing/2010/main" xmlns="" w="9525">
                     <a:solidFill>
                       <a:srgbClr val="000000"/>
                     </a:solidFill>
@@ -10547,7 +10549,7 @@
               </a:ln>
               <a:extLst>
                 <a:ext uri="{91240B29-F687-4f45-9708-019B960494DF}">
-                  <a14:hiddenLine xmlns="" xmlns:a14="http://schemas.microsoft.com/office/drawing/2010/main" w="9525">
+                  <a14:hiddenLine xmlns:a14="http://schemas.microsoft.com/office/drawing/2010/main" xmlns="" w="9525">
                     <a:solidFill>
                       <a:srgbClr val="000000"/>
                     </a:solidFill>
@@ -10612,7 +10614,7 @@
               </a:ln>
               <a:extLst>
                 <a:ext uri="{91240B29-F687-4f45-9708-019B960494DF}">
-                  <a14:hiddenLine xmlns="" xmlns:a14="http://schemas.microsoft.com/office/drawing/2010/main" w="9525">
+                  <a14:hiddenLine xmlns:a14="http://schemas.microsoft.com/office/drawing/2010/main" xmlns="" w="9525">
                     <a:solidFill>
                       <a:srgbClr val="000000"/>
                     </a:solidFill>
@@ -10702,7 +10704,7 @@
               </a:ln>
               <a:extLst>
                 <a:ext uri="{91240B29-F687-4f45-9708-019B960494DF}">
-                  <a14:hiddenLine xmlns="" xmlns:a14="http://schemas.microsoft.com/office/drawing/2010/main" w="9525">
+                  <a14:hiddenLine xmlns:a14="http://schemas.microsoft.com/office/drawing/2010/main" xmlns="" w="9525">
                     <a:solidFill>
                       <a:srgbClr val="000000"/>
                     </a:solidFill>
@@ -10764,7 +10766,7 @@
               </a:ln>
               <a:extLst>
                 <a:ext uri="{91240B29-F687-4f45-9708-019B960494DF}">
-                  <a14:hiddenLine xmlns="" xmlns:a14="http://schemas.microsoft.com/office/drawing/2010/main" w="9525">
+                  <a14:hiddenLine xmlns:a14="http://schemas.microsoft.com/office/drawing/2010/main" xmlns="" w="9525">
                     <a:solidFill>
                       <a:srgbClr val="000000"/>
                     </a:solidFill>
@@ -10854,7 +10856,7 @@
               </a:ln>
               <a:extLst>
                 <a:ext uri="{91240B29-F687-4f45-9708-019B960494DF}">
-                  <a14:hiddenLine xmlns="" xmlns:a14="http://schemas.microsoft.com/office/drawing/2010/main" w="9525">
+                  <a14:hiddenLine xmlns:a14="http://schemas.microsoft.com/office/drawing/2010/main" xmlns="" w="9525">
                     <a:solidFill>
                       <a:srgbClr val="000000"/>
                     </a:solidFill>
@@ -10919,7 +10921,7 @@
               </a:ln>
               <a:extLst>
                 <a:ext uri="{91240B29-F687-4f45-9708-019B960494DF}">
-                  <a14:hiddenLine xmlns="" xmlns:a14="http://schemas.microsoft.com/office/drawing/2010/main" w="9525">
+                  <a14:hiddenLine xmlns:a14="http://schemas.microsoft.com/office/drawing/2010/main" xmlns="" w="9525">
                     <a:solidFill>
                       <a:srgbClr val="000000"/>
                     </a:solidFill>
@@ -10981,7 +10983,7 @@
               </a:ln>
               <a:extLst>
                 <a:ext uri="{91240B29-F687-4f45-9708-019B960494DF}">
-                  <a14:hiddenLine xmlns="" xmlns:a14="http://schemas.microsoft.com/office/drawing/2010/main" w="9525">
+                  <a14:hiddenLine xmlns:a14="http://schemas.microsoft.com/office/drawing/2010/main" xmlns="" w="9525">
                     <a:solidFill>
                       <a:srgbClr val="000000"/>
                     </a:solidFill>
@@ -11071,7 +11073,7 @@
               </a:ln>
               <a:extLst>
                 <a:ext uri="{91240B29-F687-4f45-9708-019B960494DF}">
-                  <a14:hiddenLine xmlns="" xmlns:a14="http://schemas.microsoft.com/office/drawing/2010/main" w="9525">
+                  <a14:hiddenLine xmlns:a14="http://schemas.microsoft.com/office/drawing/2010/main" xmlns="" w="9525">
                     <a:solidFill>
                       <a:srgbClr val="000000"/>
                     </a:solidFill>
@@ -11161,7 +11163,7 @@
               </a:ln>
               <a:extLst>
                 <a:ext uri="{91240B29-F687-4f45-9708-019B960494DF}">
-                  <a14:hiddenLine xmlns="" xmlns:a14="http://schemas.microsoft.com/office/drawing/2010/main" w="9525">
+                  <a14:hiddenLine xmlns:a14="http://schemas.microsoft.com/office/drawing/2010/main" xmlns="" w="9525">
                     <a:solidFill>
                       <a:srgbClr val="000000"/>
                     </a:solidFill>
@@ -11226,7 +11228,7 @@
               </a:ln>
               <a:extLst>
                 <a:ext uri="{91240B29-F687-4f45-9708-019B960494DF}">
-                  <a14:hiddenLine xmlns="" xmlns:a14="http://schemas.microsoft.com/office/drawing/2010/main" w="9525">
+                  <a14:hiddenLine xmlns:a14="http://schemas.microsoft.com/office/drawing/2010/main" xmlns="" w="9525">
                     <a:solidFill>
                       <a:srgbClr val="000000"/>
                     </a:solidFill>
@@ -11346,7 +11348,7 @@
               </a:ln>
               <a:extLst>
                 <a:ext uri="{91240B29-F687-4f45-9708-019B960494DF}">
-                  <a14:hiddenLine xmlns="" xmlns:a14="http://schemas.microsoft.com/office/drawing/2010/main" w="9525">
+                  <a14:hiddenLine xmlns:a14="http://schemas.microsoft.com/office/drawing/2010/main" xmlns="" w="9525">
                     <a:solidFill>
                       <a:srgbClr val="000000"/>
                     </a:solidFill>
@@ -11444,7 +11446,7 @@
               </a:ln>
               <a:extLst>
                 <a:ext uri="{91240B29-F687-4f45-9708-019B960494DF}">
-                  <a14:hiddenLine xmlns="" xmlns:a14="http://schemas.microsoft.com/office/drawing/2010/main" w="9525">
+                  <a14:hiddenLine xmlns:a14="http://schemas.microsoft.com/office/drawing/2010/main" xmlns="" w="9525">
                     <a:solidFill>
                       <a:srgbClr val="000000"/>
                     </a:solidFill>
@@ -11559,7 +11561,7 @@
               </a:ln>
               <a:extLst>
                 <a:ext uri="{91240B29-F687-4f45-9708-019B960494DF}">
-                  <a14:hiddenLine xmlns="" xmlns:a14="http://schemas.microsoft.com/office/drawing/2010/main" w="9525">
+                  <a14:hiddenLine xmlns:a14="http://schemas.microsoft.com/office/drawing/2010/main" xmlns="" w="9525">
                     <a:solidFill>
                       <a:srgbClr val="000000"/>
                     </a:solidFill>
@@ -11649,7 +11651,7 @@
               </a:ln>
               <a:extLst>
                 <a:ext uri="{91240B29-F687-4f45-9708-019B960494DF}">
-                  <a14:hiddenLine xmlns="" xmlns:a14="http://schemas.microsoft.com/office/drawing/2010/main" w="9525">
+                  <a14:hiddenLine xmlns:a14="http://schemas.microsoft.com/office/drawing/2010/main" xmlns="" w="9525">
                     <a:solidFill>
                       <a:srgbClr val="000000"/>
                     </a:solidFill>
@@ -11714,7 +11716,7 @@
               </a:ln>
               <a:extLst>
                 <a:ext uri="{91240B29-F687-4f45-9708-019B960494DF}">
-                  <a14:hiddenLine xmlns="" xmlns:a14="http://schemas.microsoft.com/office/drawing/2010/main" w="9525">
+                  <a14:hiddenLine xmlns:a14="http://schemas.microsoft.com/office/drawing/2010/main" xmlns="" w="9525">
                     <a:solidFill>
                       <a:srgbClr val="000000"/>
                     </a:solidFill>
@@ -11804,7 +11806,7 @@
               </a:ln>
               <a:extLst>
                 <a:ext uri="{91240B29-F687-4f45-9708-019B960494DF}">
-                  <a14:hiddenLine xmlns="" xmlns:a14="http://schemas.microsoft.com/office/drawing/2010/main" w="9525">
+                  <a14:hiddenLine xmlns:a14="http://schemas.microsoft.com/office/drawing/2010/main" xmlns="" w="9525">
                     <a:solidFill>
                       <a:srgbClr val="000000"/>
                     </a:solidFill>
@@ -11872,7 +11874,7 @@
               </a:ln>
               <a:extLst>
                 <a:ext uri="{91240B29-F687-4f45-9708-019B960494DF}">
-                  <a14:hiddenLine xmlns="" xmlns:a14="http://schemas.microsoft.com/office/drawing/2010/main" w="9525">
+                  <a14:hiddenLine xmlns:a14="http://schemas.microsoft.com/office/drawing/2010/main" xmlns="" w="9525">
                     <a:solidFill>
                       <a:srgbClr val="000000"/>
                     </a:solidFill>
@@ -11962,7 +11964,7 @@
               </a:ln>
               <a:extLst>
                 <a:ext uri="{91240B29-F687-4f45-9708-019B960494DF}">
-                  <a14:hiddenLine xmlns="" xmlns:a14="http://schemas.microsoft.com/office/drawing/2010/main" w="9525">
+                  <a14:hiddenLine xmlns:a14="http://schemas.microsoft.com/office/drawing/2010/main" xmlns="" w="9525">
                     <a:solidFill>
                       <a:srgbClr val="000000"/>
                     </a:solidFill>
@@ -12030,7 +12032,7 @@
               </a:ln>
               <a:extLst>
                 <a:ext uri="{91240B29-F687-4f45-9708-019B960494DF}">
-                  <a14:hiddenLine xmlns="" xmlns:a14="http://schemas.microsoft.com/office/drawing/2010/main" w="9525">
+                  <a14:hiddenLine xmlns:a14="http://schemas.microsoft.com/office/drawing/2010/main" xmlns="" w="9525">
                     <a:solidFill>
                       <a:srgbClr val="000000"/>
                     </a:solidFill>
@@ -12120,7 +12122,7 @@
               </a:ln>
               <a:extLst>
                 <a:ext uri="{91240B29-F687-4f45-9708-019B960494DF}">
-                  <a14:hiddenLine xmlns="" xmlns:a14="http://schemas.microsoft.com/office/drawing/2010/main" w="9525">
+                  <a14:hiddenLine xmlns:a14="http://schemas.microsoft.com/office/drawing/2010/main" xmlns="" w="9525">
                     <a:solidFill>
                       <a:srgbClr val="000000"/>
                     </a:solidFill>
@@ -12154,7 +12156,7 @@
               </a:ln>
               <a:extLst>
                 <a:ext uri="{91240B29-F687-4f45-9708-019B960494DF}">
-                  <a14:hiddenLine xmlns="" xmlns:a14="http://schemas.microsoft.com/office/drawing/2010/main" w="9525">
+                  <a14:hiddenLine xmlns:a14="http://schemas.microsoft.com/office/drawing/2010/main" xmlns="" w="9525">
                     <a:solidFill>
                       <a:srgbClr val="000000"/>
                     </a:solidFill>
@@ -12295,7 +12297,7 @@
             <a:fld id="{48A87A34-81AB-432B-8DAE-1953F412C126}" type="datetimeFigureOut">
               <a:rPr lang="en-US" dirty="0"/>
               <a:pPr/>
-              <a:t>12/19/16</a:t>
+              <a:t>12/20/16</a:t>
             </a:fld>
             <a:endParaRPr lang="en-US" dirty="0"/>
           </a:p>
@@ -12758,7 +12760,15 @@
             <a:pPr algn="ctr"/>
             <a:r>
               <a:rPr lang="en-US" dirty="0" smtClean="0"/>
-              <a:t>FELIX JAEGER	</a:t>
+              <a:t>FELIX </a:t>
+            </a:r>
+            <a:r>
+              <a:rPr lang="en-US" dirty="0" smtClean="0"/>
+              <a:t>JÄGER</a:t>
+            </a:r>
+            <a:r>
+              <a:rPr lang="en-US" dirty="0" smtClean="0"/>
+              <a:t>	</a:t>
             </a:r>
             <a:r>
               <a:rPr lang="en-US" dirty="0" err="1" smtClean="0"/>
@@ -12876,6 +12886,638 @@
           <a:p>
             <a:r>
               <a:rPr lang="en-US" dirty="0" smtClean="0"/>
+              <a:t>The challenges of the data</a:t>
+            </a:r>
+            <a:endParaRPr lang="en-US" dirty="0"/>
+          </a:p>
+        </p:txBody>
+      </p:sp>
+      <p:pic>
+        <p:nvPicPr>
+          <p:cNvPr id="4" name="Picture 3"/>
+          <p:cNvPicPr>
+            <a:picLocks noChangeAspect="1"/>
+          </p:cNvPicPr>
+          <p:nvPr/>
+        </p:nvPicPr>
+        <p:blipFill>
+          <a:blip r:embed="rId2">
+            <a:extLst>
+              <a:ext uri="{28A0092B-C50C-407E-A947-70E740481C1C}">
+                <a14:useLocalDpi xmlns:a14="http://schemas.microsoft.com/office/drawing/2010/main" val="0"/>
+              </a:ext>
+            </a:extLst>
+          </a:blip>
+          <a:stretch>
+            <a:fillRect/>
+          </a:stretch>
+        </p:blipFill>
+        <p:spPr>
+          <a:xfrm>
+            <a:off x="11076972" y="5729468"/>
+            <a:ext cx="1018572" cy="1018572"/>
+          </a:xfrm>
+          <a:prstGeom prst="rect">
+            <a:avLst/>
+          </a:prstGeom>
+        </p:spPr>
+      </p:pic>
+      <p:sp>
+        <p:nvSpPr>
+          <p:cNvPr id="7" name="Title 1"/>
+          <p:cNvSpPr txBox="1">
+            <a:spLocks/>
+          </p:cNvSpPr>
+          <p:nvPr/>
+        </p:nvSpPr>
+        <p:spPr>
+          <a:xfrm>
+            <a:off x="1141413" y="1023925"/>
+            <a:ext cx="9905998" cy="1478570"/>
+          </a:xfrm>
+          <a:prstGeom prst="rect">
+            <a:avLst/>
+          </a:prstGeom>
+        </p:spPr>
+        <p:txBody>
+          <a:bodyPr vert="horz" lIns="91440" tIns="45720" rIns="91440" bIns="45720" rtlCol="0" anchor="ctr">
+            <a:normAutofit/>
+          </a:bodyPr>
+          <a:lstStyle>
+            <a:lvl1pPr algn="l" defTabSz="914400" rtl="0" eaLnBrk="1" latinLnBrk="0" hangingPunct="1">
+              <a:lnSpc>
+                <a:spcPct val="90000"/>
+              </a:lnSpc>
+              <a:spcBef>
+                <a:spcPct val="0"/>
+              </a:spcBef>
+              <a:buNone/>
+              <a:defRPr sz="3600" kern="1200" cap="all" baseline="0">
+                <a:solidFill>
+                  <a:schemeClr val="tx1"/>
+                </a:solidFill>
+                <a:latin typeface="+mj-lt"/>
+                <a:ea typeface="+mj-ea"/>
+                <a:cs typeface="+mj-cs"/>
+              </a:defRPr>
+            </a:lvl1pPr>
+          </a:lstStyle>
+          <a:p>
+            <a:r>
+              <a:rPr lang="en-US" dirty="0" smtClean="0">
+                <a:solidFill>
+                  <a:srgbClr val="FF0000"/>
+                </a:solidFill>
+              </a:rPr>
+              <a:t>Retweets</a:t>
+            </a:r>
+            <a:endParaRPr lang="en-US" dirty="0">
+              <a:solidFill>
+                <a:srgbClr val="FF0000"/>
+              </a:solidFill>
+            </a:endParaRPr>
+          </a:p>
+        </p:txBody>
+      </p:sp>
+      <p:pic>
+        <p:nvPicPr>
+          <p:cNvPr id="8" name="Content Placeholder 7"/>
+          <p:cNvPicPr>
+            <a:picLocks noGrp="1" noChangeAspect="1"/>
+          </p:cNvPicPr>
+          <p:nvPr>
+            <p:ph idx="1"/>
+          </p:nvPr>
+        </p:nvPicPr>
+        <p:blipFill>
+          <a:blip r:embed="rId3">
+            <a:extLst>
+              <a:ext uri="{28A0092B-C50C-407E-A947-70E740481C1C}">
+                <a14:useLocalDpi xmlns:a14="http://schemas.microsoft.com/office/drawing/2010/main" val="0"/>
+              </a:ext>
+            </a:extLst>
+          </a:blip>
+          <a:stretch>
+            <a:fillRect/>
+          </a:stretch>
+        </p:blipFill>
+        <p:spPr>
+          <a:xfrm>
+            <a:off x="1141411" y="3172851"/>
+            <a:ext cx="9906000" cy="352322"/>
+          </a:xfrm>
+        </p:spPr>
+      </p:pic>
+    </p:spTree>
+    <p:extLst>
+      <p:ext uri="{BB962C8B-B14F-4D97-AF65-F5344CB8AC3E}">
+        <p14:creationId xmlns:p14="http://schemas.microsoft.com/office/powerpoint/2010/main" val="427102543"/>
+      </p:ext>
+    </p:extLst>
+  </p:cSld>
+  <p:clrMapOvr>
+    <a:masterClrMapping/>
+  </p:clrMapOvr>
+  <p:timing>
+    <p:tnLst>
+      <p:par>
+        <p:cTn id="1" dur="indefinite" restart="never" nodeType="tmRoot"/>
+      </p:par>
+    </p:tnLst>
+  </p:timing>
+</p:sld>
+</file>
+
+<file path=ppt/slides/slide11.xml><?xml version="1.0" encoding="utf-8"?>
+<p:sld xmlns:a="http://schemas.openxmlformats.org/drawingml/2006/main" xmlns:r="http://schemas.openxmlformats.org/officeDocument/2006/relationships" xmlns:p="http://schemas.openxmlformats.org/presentationml/2006/main">
+  <p:cSld>
+    <p:spTree>
+      <p:nvGrpSpPr>
+        <p:cNvPr id="1" name=""/>
+        <p:cNvGrpSpPr/>
+        <p:nvPr/>
+      </p:nvGrpSpPr>
+      <p:grpSpPr>
+        <a:xfrm>
+          <a:off x="0" y="0"/>
+          <a:ext cx="0" cy="0"/>
+          <a:chOff x="0" y="0"/>
+          <a:chExt cx="0" cy="0"/>
+        </a:xfrm>
+      </p:grpSpPr>
+      <p:sp>
+        <p:nvSpPr>
+          <p:cNvPr id="2" name="Title 1"/>
+          <p:cNvSpPr>
+            <a:spLocks noGrp="1"/>
+          </p:cNvSpPr>
+          <p:nvPr>
+            <p:ph type="title"/>
+          </p:nvPr>
+        </p:nvSpPr>
+        <p:spPr/>
+        <p:txBody>
+          <a:bodyPr/>
+          <a:lstStyle/>
+          <a:p>
+            <a:r>
+              <a:rPr lang="en-US" dirty="0" smtClean="0"/>
+              <a:t>The challenges of the data</a:t>
+            </a:r>
+            <a:endParaRPr lang="en-US" dirty="0"/>
+          </a:p>
+        </p:txBody>
+      </p:sp>
+      <p:pic>
+        <p:nvPicPr>
+          <p:cNvPr id="4" name="Picture 3"/>
+          <p:cNvPicPr>
+            <a:picLocks noChangeAspect="1"/>
+          </p:cNvPicPr>
+          <p:nvPr/>
+        </p:nvPicPr>
+        <p:blipFill>
+          <a:blip r:embed="rId2">
+            <a:extLst>
+              <a:ext uri="{28A0092B-C50C-407E-A947-70E740481C1C}">
+                <a14:useLocalDpi xmlns:a14="http://schemas.microsoft.com/office/drawing/2010/main" val="0"/>
+              </a:ext>
+            </a:extLst>
+          </a:blip>
+          <a:stretch>
+            <a:fillRect/>
+          </a:stretch>
+        </p:blipFill>
+        <p:spPr>
+          <a:xfrm>
+            <a:off x="11076972" y="5729468"/>
+            <a:ext cx="1018572" cy="1018572"/>
+          </a:xfrm>
+          <a:prstGeom prst="rect">
+            <a:avLst/>
+          </a:prstGeom>
+        </p:spPr>
+      </p:pic>
+      <p:sp>
+        <p:nvSpPr>
+          <p:cNvPr id="7" name="Title 1"/>
+          <p:cNvSpPr txBox="1">
+            <a:spLocks/>
+          </p:cNvSpPr>
+          <p:nvPr/>
+        </p:nvSpPr>
+        <p:spPr>
+          <a:xfrm>
+            <a:off x="1141413" y="1023925"/>
+            <a:ext cx="9905998" cy="1478570"/>
+          </a:xfrm>
+          <a:prstGeom prst="rect">
+            <a:avLst/>
+          </a:prstGeom>
+        </p:spPr>
+        <p:txBody>
+          <a:bodyPr vert="horz" lIns="91440" tIns="45720" rIns="91440" bIns="45720" rtlCol="0" anchor="ctr">
+            <a:normAutofit/>
+          </a:bodyPr>
+          <a:lstStyle>
+            <a:lvl1pPr algn="l" defTabSz="914400" rtl="0" eaLnBrk="1" latinLnBrk="0" hangingPunct="1">
+              <a:lnSpc>
+                <a:spcPct val="90000"/>
+              </a:lnSpc>
+              <a:spcBef>
+                <a:spcPct val="0"/>
+              </a:spcBef>
+              <a:buNone/>
+              <a:defRPr sz="3600" kern="1200" cap="all" baseline="0">
+                <a:solidFill>
+                  <a:schemeClr val="tx1"/>
+                </a:solidFill>
+                <a:latin typeface="+mj-lt"/>
+                <a:ea typeface="+mj-ea"/>
+                <a:cs typeface="+mj-cs"/>
+              </a:defRPr>
+            </a:lvl1pPr>
+          </a:lstStyle>
+          <a:p>
+            <a:r>
+              <a:rPr lang="en-US" dirty="0" smtClean="0">
+                <a:solidFill>
+                  <a:srgbClr val="FF0000"/>
+                </a:solidFill>
+              </a:rPr>
+              <a:t>Retweets</a:t>
+            </a:r>
+            <a:endParaRPr lang="en-US" dirty="0">
+              <a:solidFill>
+                <a:srgbClr val="FF0000"/>
+              </a:solidFill>
+            </a:endParaRPr>
+          </a:p>
+        </p:txBody>
+      </p:sp>
+      <p:pic>
+        <p:nvPicPr>
+          <p:cNvPr id="6" name="Content Placeholder 7"/>
+          <p:cNvPicPr>
+            <a:picLocks noChangeAspect="1"/>
+          </p:cNvPicPr>
+          <p:nvPr/>
+        </p:nvPicPr>
+        <p:blipFill>
+          <a:blip r:embed="rId3">
+            <a:extLst>
+              <a:ext uri="{28A0092B-C50C-407E-A947-70E740481C1C}">
+                <a14:useLocalDpi xmlns:a14="http://schemas.microsoft.com/office/drawing/2010/main" val="0"/>
+              </a:ext>
+            </a:extLst>
+          </a:blip>
+          <a:stretch>
+            <a:fillRect/>
+          </a:stretch>
+        </p:blipFill>
+        <p:spPr>
+          <a:xfrm>
+            <a:off x="1141411" y="3172851"/>
+            <a:ext cx="9906000" cy="352322"/>
+          </a:xfrm>
+          <a:prstGeom prst="rect">
+            <a:avLst/>
+          </a:prstGeom>
+        </p:spPr>
+      </p:pic>
+      <p:sp>
+        <p:nvSpPr>
+          <p:cNvPr id="5" name="Frame 4"/>
+          <p:cNvSpPr/>
+          <p:nvPr/>
+        </p:nvSpPr>
+        <p:spPr>
+          <a:xfrm>
+            <a:off x="2037145" y="3012018"/>
+            <a:ext cx="636607" cy="673988"/>
+          </a:xfrm>
+          <a:prstGeom prst="frame">
+            <a:avLst/>
+          </a:prstGeom>
+          <a:solidFill>
+            <a:srgbClr val="FF0000"/>
+          </a:solidFill>
+        </p:spPr>
+        <p:style>
+          <a:lnRef idx="2">
+            <a:schemeClr val="accent1">
+              <a:shade val="50000"/>
+            </a:schemeClr>
+          </a:lnRef>
+          <a:fillRef idx="1">
+            <a:schemeClr val="accent1"/>
+          </a:fillRef>
+          <a:effectRef idx="0">
+            <a:schemeClr val="accent1"/>
+          </a:effectRef>
+          <a:fontRef idx="minor">
+            <a:schemeClr val="lt1"/>
+          </a:fontRef>
+        </p:style>
+        <p:txBody>
+          <a:bodyPr rtlCol="0" anchor="ctr"/>
+          <a:lstStyle/>
+          <a:p>
+            <a:pPr algn="ctr"/>
+            <a:endParaRPr lang="en-US">
+              <a:solidFill>
+                <a:schemeClr val="tx1"/>
+              </a:solidFill>
+            </a:endParaRPr>
+          </a:p>
+        </p:txBody>
+      </p:sp>
+      <p:sp>
+        <p:nvSpPr>
+          <p:cNvPr id="8" name="TextBox 7"/>
+          <p:cNvSpPr txBox="1"/>
+          <p:nvPr/>
+        </p:nvSpPr>
+        <p:spPr>
+          <a:xfrm>
+            <a:off x="2882096" y="4884516"/>
+            <a:ext cx="5334730" cy="923330"/>
+          </a:xfrm>
+          <a:prstGeom prst="rect">
+            <a:avLst/>
+          </a:prstGeom>
+          <a:noFill/>
+        </p:spPr>
+        <p:txBody>
+          <a:bodyPr wrap="none" rtlCol="0">
+            <a:spAutoFit/>
+          </a:bodyPr>
+          <a:lstStyle/>
+          <a:p>
+            <a:pPr marL="285750" indent="-285750">
+              <a:buFontTx/>
+              <a:buChar char="-"/>
+            </a:pPr>
+            <a:r>
+              <a:rPr lang="en-US" dirty="0" smtClean="0"/>
+              <a:t>A tweet is counted more than once.</a:t>
+            </a:r>
+          </a:p>
+          <a:p>
+            <a:pPr marL="285750" indent="-285750">
+              <a:buFontTx/>
+              <a:buChar char="-"/>
+            </a:pPr>
+            <a:r>
+              <a:rPr lang="en-US" dirty="0" smtClean="0"/>
+              <a:t>Multiple accounts </a:t>
+            </a:r>
+            <a:r>
+              <a:rPr lang="mr-IN" dirty="0" smtClean="0"/>
+              <a:t>–</a:t>
+            </a:r>
+            <a:r>
+              <a:rPr lang="en-US" dirty="0" smtClean="0"/>
+              <a:t> which account should be counted?</a:t>
+            </a:r>
+          </a:p>
+          <a:p>
+            <a:pPr marL="285750" indent="-285750">
+              <a:buFontTx/>
+              <a:buChar char="-"/>
+            </a:pPr>
+            <a:r>
+              <a:rPr lang="en-US" dirty="0" smtClean="0"/>
+              <a:t>Not Timely</a:t>
+            </a:r>
+            <a:endParaRPr lang="en-US" dirty="0"/>
+          </a:p>
+        </p:txBody>
+      </p:sp>
+    </p:spTree>
+    <p:extLst>
+      <p:ext uri="{BB962C8B-B14F-4D97-AF65-F5344CB8AC3E}">
+        <p14:creationId xmlns:p14="http://schemas.microsoft.com/office/powerpoint/2010/main" val="1318196401"/>
+      </p:ext>
+    </p:extLst>
+  </p:cSld>
+  <p:clrMapOvr>
+    <a:masterClrMapping/>
+  </p:clrMapOvr>
+  <p:timing>
+    <p:tnLst>
+      <p:par>
+        <p:cTn id="1" dur="indefinite" restart="never" nodeType="tmRoot">
+          <p:childTnLst>
+            <p:seq concurrent="1" nextAc="seek">
+              <p:cTn id="2" dur="indefinite" nodeType="mainSeq">
+                <p:childTnLst>
+                  <p:par>
+                    <p:cTn id="3" fill="hold">
+                      <p:stCondLst>
+                        <p:cond delay="indefinite"/>
+                      </p:stCondLst>
+                      <p:childTnLst>
+                        <p:par>
+                          <p:cTn id="4" fill="hold">
+                            <p:stCondLst>
+                              <p:cond delay="0"/>
+                            </p:stCondLst>
+                            <p:childTnLst>
+                              <p:par>
+                                <p:cTn id="5" presetID="1" presetClass="entr" presetSubtype="0" fill="hold" nodeType="clickEffect">
+                                  <p:stCondLst>
+                                    <p:cond delay="0"/>
+                                  </p:stCondLst>
+                                  <p:childTnLst>
+                                    <p:set>
+                                      <p:cBhvr>
+                                        <p:cTn id="6" dur="1" fill="hold">
+                                          <p:stCondLst>
+                                            <p:cond delay="0"/>
+                                          </p:stCondLst>
+                                        </p:cTn>
+                                        <p:tgtEl>
+                                          <p:spTgt spid="8">
+                                            <p:txEl>
+                                              <p:pRg st="0" end="0"/>
+                                            </p:txEl>
+                                          </p:spTgt>
+                                        </p:tgtEl>
+                                        <p:attrNameLst>
+                                          <p:attrName>style.visibility</p:attrName>
+                                        </p:attrNameLst>
+                                      </p:cBhvr>
+                                      <p:to>
+                                        <p:strVal val="visible"/>
+                                      </p:to>
+                                    </p:set>
+                                  </p:childTnLst>
+                                </p:cTn>
+                              </p:par>
+                            </p:childTnLst>
+                          </p:cTn>
+                        </p:par>
+                      </p:childTnLst>
+                    </p:cTn>
+                  </p:par>
+                  <p:par>
+                    <p:cTn id="7" fill="hold">
+                      <p:stCondLst>
+                        <p:cond delay="indefinite"/>
+                      </p:stCondLst>
+                      <p:childTnLst>
+                        <p:par>
+                          <p:cTn id="8" fill="hold">
+                            <p:stCondLst>
+                              <p:cond delay="0"/>
+                            </p:stCondLst>
+                            <p:childTnLst>
+                              <p:par>
+                                <p:cTn id="9" presetID="1" presetClass="entr" presetSubtype="0" fill="hold" nodeType="clickEffect">
+                                  <p:stCondLst>
+                                    <p:cond delay="0"/>
+                                  </p:stCondLst>
+                                  <p:childTnLst>
+                                    <p:set>
+                                      <p:cBhvr>
+                                        <p:cTn id="10" dur="1" fill="hold">
+                                          <p:stCondLst>
+                                            <p:cond delay="0"/>
+                                          </p:stCondLst>
+                                        </p:cTn>
+                                        <p:tgtEl>
+                                          <p:spTgt spid="8">
+                                            <p:txEl>
+                                              <p:pRg st="1" end="1"/>
+                                            </p:txEl>
+                                          </p:spTgt>
+                                        </p:tgtEl>
+                                        <p:attrNameLst>
+                                          <p:attrName>style.visibility</p:attrName>
+                                        </p:attrNameLst>
+                                      </p:cBhvr>
+                                      <p:to>
+                                        <p:strVal val="visible"/>
+                                      </p:to>
+                                    </p:set>
+                                  </p:childTnLst>
+                                </p:cTn>
+                              </p:par>
+                            </p:childTnLst>
+                          </p:cTn>
+                        </p:par>
+                      </p:childTnLst>
+                    </p:cTn>
+                  </p:par>
+                  <p:par>
+                    <p:cTn id="11" fill="hold">
+                      <p:stCondLst>
+                        <p:cond delay="indefinite"/>
+                      </p:stCondLst>
+                      <p:childTnLst>
+                        <p:par>
+                          <p:cTn id="12" fill="hold">
+                            <p:stCondLst>
+                              <p:cond delay="0"/>
+                            </p:stCondLst>
+                            <p:childTnLst>
+                              <p:par>
+                                <p:cTn id="13" presetID="1" presetClass="entr" presetSubtype="0" fill="hold" nodeType="clickEffect">
+                                  <p:stCondLst>
+                                    <p:cond delay="0"/>
+                                  </p:stCondLst>
+                                  <p:childTnLst>
+                                    <p:set>
+                                      <p:cBhvr>
+                                        <p:cTn id="14" dur="1" fill="hold">
+                                          <p:stCondLst>
+                                            <p:cond delay="0"/>
+                                          </p:stCondLst>
+                                        </p:cTn>
+                                        <p:tgtEl>
+                                          <p:spTgt spid="8">
+                                            <p:txEl>
+                                              <p:pRg st="2" end="2"/>
+                                            </p:txEl>
+                                          </p:spTgt>
+                                        </p:tgtEl>
+                                        <p:attrNameLst>
+                                          <p:attrName>style.visibility</p:attrName>
+                                        </p:attrNameLst>
+                                      </p:cBhvr>
+                                      <p:to>
+                                        <p:strVal val="visible"/>
+                                      </p:to>
+                                    </p:set>
+                                  </p:childTnLst>
+                                </p:cTn>
+                              </p:par>
+                            </p:childTnLst>
+                          </p:cTn>
+                        </p:par>
+                      </p:childTnLst>
+                    </p:cTn>
+                  </p:par>
+                </p:childTnLst>
+              </p:cTn>
+              <p:prevCondLst>
+                <p:cond evt="onPrev" delay="0">
+                  <p:tgtEl>
+                    <p:sldTgt/>
+                  </p:tgtEl>
+                </p:cond>
+              </p:prevCondLst>
+              <p:nextCondLst>
+                <p:cond evt="onNext" delay="0">
+                  <p:tgtEl>
+                    <p:sldTgt/>
+                  </p:tgtEl>
+                </p:cond>
+              </p:nextCondLst>
+            </p:seq>
+          </p:childTnLst>
+        </p:cTn>
+      </p:par>
+    </p:tnLst>
+  </p:timing>
+</p:sld>
+</file>
+
+<file path=ppt/slides/slide12.xml><?xml version="1.0" encoding="utf-8"?>
+<p:sld xmlns:a="http://schemas.openxmlformats.org/drawingml/2006/main" xmlns:r="http://schemas.openxmlformats.org/officeDocument/2006/relationships" xmlns:p="http://schemas.openxmlformats.org/presentationml/2006/main">
+  <p:cSld>
+    <p:spTree>
+      <p:nvGrpSpPr>
+        <p:cNvPr id="1" name=""/>
+        <p:cNvGrpSpPr/>
+        <p:nvPr/>
+      </p:nvGrpSpPr>
+      <p:grpSpPr>
+        <a:xfrm>
+          <a:off x="0" y="0"/>
+          <a:ext cx="0" cy="0"/>
+          <a:chOff x="0" y="0"/>
+          <a:chExt cx="0" cy="0"/>
+        </a:xfrm>
+      </p:grpSpPr>
+      <p:sp>
+        <p:nvSpPr>
+          <p:cNvPr id="2" name="Title 1"/>
+          <p:cNvSpPr>
+            <a:spLocks noGrp="1"/>
+          </p:cNvSpPr>
+          <p:nvPr>
+            <p:ph type="title"/>
+          </p:nvPr>
+        </p:nvSpPr>
+        <p:spPr/>
+        <p:txBody>
+          <a:bodyPr/>
+          <a:lstStyle/>
+          <a:p>
+            <a:r>
+              <a:rPr lang="en-US" dirty="0" smtClean="0"/>
               <a:t>What’s now?</a:t>
             </a:r>
             <a:endParaRPr lang="en-US" dirty="0"/>
@@ -12894,12 +13536,14 @@
         </p:nvSpPr>
         <p:spPr>
           <a:xfrm>
-            <a:off x="1141412" y="2249487"/>
-            <a:ext cx="9905999" cy="2453142"/>
+            <a:off x="1141412" y="2249486"/>
+            <a:ext cx="9905999" cy="3479981"/>
           </a:xfrm>
         </p:spPr>
         <p:txBody>
-          <a:bodyPr/>
+          <a:bodyPr>
+            <a:normAutofit/>
+          </a:bodyPr>
           <a:lstStyle/>
           <a:p>
             <a:r>
@@ -12916,17 +13560,29 @@
           <a:p>
             <a:r>
               <a:rPr lang="en-US" dirty="0" smtClean="0"/>
-              <a:t>Adjust date and time for analysis</a:t>
+              <a:t>Reformat date </a:t>
             </a:r>
-          </a:p>
-          <a:p>
             <a:r>
               <a:rPr lang="en-US" dirty="0" smtClean="0"/>
-              <a:t>Fetch data from Google or Bloomberg regarding the stock</a:t>
+              <a:t>and time for analysis</a:t>
             </a:r>
           </a:p>
           <a:p>
-            <a:endParaRPr lang="en-US" dirty="0"/>
+            <a:r>
+              <a:rPr lang="en-US" dirty="0" smtClean="0"/>
+              <a:t>Fetch data from Google or Bloomberg regarding the </a:t>
+            </a:r>
+            <a:r>
+              <a:rPr lang="en-US" dirty="0" smtClean="0"/>
+              <a:t>stock</a:t>
+            </a:r>
+          </a:p>
+          <a:p>
+            <a:r>
+              <a:rPr lang="en-US" dirty="0" smtClean="0"/>
+              <a:t>Plan coding phase</a:t>
+            </a:r>
+            <a:endParaRPr lang="en-US" dirty="0" smtClean="0"/>
           </a:p>
         </p:txBody>
       </p:sp>
@@ -13174,189 +13830,27 @@
                       </p:childTnLst>
                     </p:cTn>
                   </p:par>
-                </p:childTnLst>
-              </p:cTn>
-              <p:prevCondLst>
-                <p:cond evt="onPrev" delay="0">
-                  <p:tgtEl>
-                    <p:sldTgt/>
-                  </p:tgtEl>
-                </p:cond>
-              </p:prevCondLst>
-              <p:nextCondLst>
-                <p:cond evt="onNext" delay="0">
-                  <p:tgtEl>
-                    <p:sldTgt/>
-                  </p:tgtEl>
-                </p:cond>
-              </p:nextCondLst>
-            </p:seq>
-          </p:childTnLst>
-        </p:cTn>
-      </p:par>
-    </p:tnLst>
-  </p:timing>
-</p:sld>
-</file>
-
-<file path=ppt/slides/slide11.xml><?xml version="1.0" encoding="utf-8"?>
-<p:sld xmlns:a="http://schemas.openxmlformats.org/drawingml/2006/main" xmlns:r="http://schemas.openxmlformats.org/officeDocument/2006/relationships" xmlns:p="http://schemas.openxmlformats.org/presentationml/2006/main">
-  <p:cSld>
-    <p:spTree>
-      <p:nvGrpSpPr>
-        <p:cNvPr id="1" name=""/>
-        <p:cNvGrpSpPr/>
-        <p:nvPr/>
-      </p:nvGrpSpPr>
-      <p:grpSpPr>
-        <a:xfrm>
-          <a:off x="0" y="0"/>
-          <a:ext cx="0" cy="0"/>
-          <a:chOff x="0" y="0"/>
-          <a:chExt cx="0" cy="0"/>
-        </a:xfrm>
-      </p:grpSpPr>
-      <p:sp>
-        <p:nvSpPr>
-          <p:cNvPr id="2" name="Title 1"/>
-          <p:cNvSpPr>
-            <a:spLocks noGrp="1"/>
-          </p:cNvSpPr>
-          <p:nvPr>
-            <p:ph type="title"/>
-          </p:nvPr>
-        </p:nvSpPr>
-        <p:spPr/>
-        <p:txBody>
-          <a:bodyPr/>
-          <a:lstStyle/>
-          <a:p>
-            <a:r>
-              <a:rPr lang="en-US" dirty="0" smtClean="0"/>
-              <a:t>questions</a:t>
-            </a:r>
-            <a:endParaRPr lang="en-US" dirty="0"/>
-          </a:p>
-        </p:txBody>
-      </p:sp>
-      <p:sp>
-        <p:nvSpPr>
-          <p:cNvPr id="3" name="Content Placeholder 2"/>
-          <p:cNvSpPr>
-            <a:spLocks noGrp="1"/>
-          </p:cNvSpPr>
-          <p:nvPr>
-            <p:ph idx="1"/>
-          </p:nvPr>
-        </p:nvSpPr>
-        <p:spPr>
-          <a:xfrm>
-            <a:off x="1141412" y="2249487"/>
-            <a:ext cx="9905999" cy="1292366"/>
-          </a:xfrm>
-        </p:spPr>
-        <p:txBody>
-          <a:bodyPr/>
-          <a:lstStyle/>
-          <a:p>
-            <a:r>
-              <a:rPr lang="en-US" dirty="0" smtClean="0"/>
-              <a:t>What programming </a:t>
-            </a:r>
-            <a:r>
-              <a:rPr lang="en-US" dirty="0" smtClean="0"/>
-              <a:t>language(s) </a:t>
-            </a:r>
-            <a:r>
-              <a:rPr lang="en-US" dirty="0" smtClean="0"/>
-              <a:t>should we use?</a:t>
-            </a:r>
-          </a:p>
-          <a:p>
-            <a:r>
-              <a:rPr lang="en-US" dirty="0" smtClean="0"/>
-              <a:t>What should be the outcome? Graphical </a:t>
-            </a:r>
-            <a:r>
-              <a:rPr lang="en-US" dirty="0" smtClean="0"/>
-              <a:t>display of the data?</a:t>
-            </a:r>
-            <a:endParaRPr lang="en-US" dirty="0" smtClean="0"/>
-          </a:p>
-          <a:p>
-            <a:endParaRPr lang="en-US" dirty="0"/>
-          </a:p>
-        </p:txBody>
-      </p:sp>
-      <p:pic>
-        <p:nvPicPr>
-          <p:cNvPr id="4" name="Picture 3"/>
-          <p:cNvPicPr>
-            <a:picLocks noChangeAspect="1"/>
-          </p:cNvPicPr>
-          <p:nvPr/>
-        </p:nvPicPr>
-        <p:blipFill>
-          <a:blip r:embed="rId2">
-            <a:extLst>
-              <a:ext uri="{28A0092B-C50C-407E-A947-70E740481C1C}">
-                <a14:useLocalDpi xmlns:a14="http://schemas.microsoft.com/office/drawing/2010/main" val="0"/>
-              </a:ext>
-            </a:extLst>
-          </a:blip>
-          <a:stretch>
-            <a:fillRect/>
-          </a:stretch>
-        </p:blipFill>
-        <p:spPr>
-          <a:xfrm>
-            <a:off x="11076972" y="5729468"/>
-            <a:ext cx="1018572" cy="1018572"/>
-          </a:xfrm>
-          <a:prstGeom prst="rect">
-            <a:avLst/>
-          </a:prstGeom>
-        </p:spPr>
-      </p:pic>
-    </p:spTree>
-    <p:extLst>
-      <p:ext uri="{BB962C8B-B14F-4D97-AF65-F5344CB8AC3E}">
-        <p14:creationId xmlns:p14="http://schemas.microsoft.com/office/powerpoint/2010/main" val="1217867820"/>
-      </p:ext>
-    </p:extLst>
-  </p:cSld>
-  <p:clrMapOvr>
-    <a:masterClrMapping/>
-  </p:clrMapOvr>
-  <p:timing>
-    <p:tnLst>
-      <p:par>
-        <p:cTn id="1" dur="indefinite" restart="never" nodeType="tmRoot">
-          <p:childTnLst>
-            <p:seq concurrent="1" nextAc="seek">
-              <p:cTn id="2" dur="indefinite" nodeType="mainSeq">
-                <p:childTnLst>
                   <p:par>
-                    <p:cTn id="3" fill="hold">
+                    <p:cTn id="19" fill="hold">
                       <p:stCondLst>
                         <p:cond delay="indefinite"/>
                       </p:stCondLst>
                       <p:childTnLst>
                         <p:par>
-                          <p:cTn id="4" fill="hold">
+                          <p:cTn id="20" fill="hold">
                             <p:stCondLst>
                               <p:cond delay="0"/>
                             </p:stCondLst>
                             <p:childTnLst>
                               <p:par>
-                                <p:cTn id="5" presetID="1" presetClass="entr" presetSubtype="0" fill="hold" nodeType="clickEffect">
+                                <p:cTn id="21" presetID="1" presetClass="entr" presetSubtype="0" fill="hold" nodeType="clickEffect">
                                   <p:stCondLst>
                                     <p:cond delay="0"/>
                                   </p:stCondLst>
                                   <p:childTnLst>
                                     <p:set>
                                       <p:cBhvr>
-                                        <p:cTn id="6" dur="1" fill="hold">
+                                        <p:cTn id="22" dur="1" fill="hold">
                                           <p:stCondLst>
                                             <p:cond delay="0"/>
                                           </p:stCondLst>
@@ -13364,56 +13858,7 @@
                                         <p:tgtEl>
                                           <p:spTgt spid="3">
                                             <p:txEl>
-                                              <p:pRg st="0" end="0"/>
-                                            </p:txEl>
-                                          </p:spTgt>
-                                        </p:tgtEl>
-                                        <p:attrNameLst>
-                                          <p:attrName>style.visibility</p:attrName>
-                                        </p:attrNameLst>
-                                      </p:cBhvr>
-                                      <p:to>
-                                        <p:strVal val="visible"/>
-                                      </p:to>
-                                    </p:set>
-                                  </p:childTnLst>
-                                </p:cTn>
-                              </p:par>
-                            </p:childTnLst>
-                          </p:cTn>
-                        </p:par>
-                      </p:childTnLst>
-                    </p:cTn>
-                  </p:par>
-                  <p:par>
-                    <p:cTn id="7" fill="hold">
-                      <p:stCondLst>
-                        <p:cond delay="indefinite"/>
-                      </p:stCondLst>
-                      <p:childTnLst>
-                        <p:par>
-                          <p:cTn id="8" fill="hold">
-                            <p:stCondLst>
-                              <p:cond delay="0"/>
-                            </p:stCondLst>
-                            <p:childTnLst>
-                              <p:par>
-                                <p:cTn id="9" presetID="1" presetClass="entr" presetSubtype="0" fill="hold" nodeType="clickEffect">
-                                  <p:stCondLst>
-                                    <p:cond delay="0"/>
-                                  </p:stCondLst>
-                                  <p:childTnLst>
-                                    <p:set>
-                                      <p:cBhvr>
-                                        <p:cTn id="10" dur="1" fill="hold">
-                                          <p:stCondLst>
-                                            <p:cond delay="0"/>
-                                          </p:stCondLst>
-                                        </p:cTn>
-                                        <p:tgtEl>
-                                          <p:spTgt spid="3">
-                                            <p:txEl>
-                                              <p:pRg st="1" end="1"/>
+                                              <p:pRg st="4" end="4"/>
                                             </p:txEl>
                                           </p:spTgt>
                                         </p:tgtEl>
@@ -13459,7 +13904,7 @@
 </p:sld>
 </file>
 
-<file path=ppt/slides/slide2.xml><?xml version="1.0" encoding="utf-8"?>
+<file path=ppt/slides/slide13.xml><?xml version="1.0" encoding="utf-8"?>
 <p:sld xmlns:a="http://schemas.openxmlformats.org/drawingml/2006/main" xmlns:r="http://schemas.openxmlformats.org/officeDocument/2006/relationships" xmlns:p="http://schemas.openxmlformats.org/presentationml/2006/main">
   <p:cSld>
     <p:spTree>
@@ -13493,7 +13938,7 @@
           <a:p>
             <a:r>
               <a:rPr lang="en-US" dirty="0" smtClean="0"/>
-              <a:t>Research Proposal</a:t>
+              <a:t>questions</a:t>
             </a:r>
             <a:endParaRPr lang="en-US" dirty="0"/>
           </a:p>
@@ -13511,8 +13956,8 @@
         </p:nvSpPr>
         <p:spPr>
           <a:xfrm>
-            <a:off x="1777055" y="2097088"/>
-            <a:ext cx="8634714" cy="3541714"/>
+            <a:off x="1141412" y="2249487"/>
+            <a:ext cx="8055140" cy="2848030"/>
           </a:xfrm>
         </p:spPr>
         <p:txBody>
@@ -13521,14 +13966,36 @@
           </a:bodyPr>
           <a:lstStyle/>
           <a:p>
-            <a:pPr marL="0" indent="0" algn="ctr">
-              <a:buNone/>
-            </a:pPr>
             <a:r>
-              <a:rPr lang="en-US" sz="5000" b="1" dirty="0" smtClean="0"/>
-              <a:t>Is there a correlation between the amount of tweets and the volume of the Tesla stock?</a:t>
+              <a:rPr lang="en-US" dirty="0" smtClean="0"/>
+              <a:t>What programming language(s) should we use?</a:t>
             </a:r>
-            <a:endParaRPr lang="en-US" sz="5000" b="1" dirty="0"/>
+          </a:p>
+          <a:p>
+            <a:r>
+              <a:rPr lang="en-US" dirty="0" smtClean="0"/>
+              <a:t>What should be the outcome? Graphical display of the </a:t>
+            </a:r>
+            <a:r>
+              <a:rPr lang="en-US" dirty="0" smtClean="0"/>
+              <a:t>data?</a:t>
+            </a:r>
+          </a:p>
+          <a:p>
+            <a:r>
+              <a:rPr lang="en-US" dirty="0" smtClean="0"/>
+              <a:t>Run a simple linear regression?</a:t>
+            </a:r>
+          </a:p>
+          <a:p>
+            <a:r>
+              <a:rPr lang="en-US" dirty="0" smtClean="0"/>
+              <a:t>What’s the “Final Product” of the project?</a:t>
+            </a:r>
+            <a:endParaRPr lang="en-US" dirty="0" smtClean="0"/>
+          </a:p>
+          <a:p>
+            <a:endParaRPr lang="en-US" dirty="0"/>
           </a:p>
         </p:txBody>
       </p:sp>
@@ -13565,1130 +14032,7 @@
     </p:spTree>
     <p:extLst>
       <p:ext uri="{BB962C8B-B14F-4D97-AF65-F5344CB8AC3E}">
-        <p14:creationId xmlns:p14="http://schemas.microsoft.com/office/powerpoint/2010/main" val="1608028184"/>
-      </p:ext>
-    </p:extLst>
-  </p:cSld>
-  <p:clrMapOvr>
-    <a:masterClrMapping/>
-  </p:clrMapOvr>
-  <p:timing>
-    <p:tnLst>
-      <p:par>
-        <p:cTn id="1" dur="indefinite" restart="never" nodeType="tmRoot"/>
-      </p:par>
-    </p:tnLst>
-  </p:timing>
-</p:sld>
-</file>
-
-<file path=ppt/slides/slide3.xml><?xml version="1.0" encoding="utf-8"?>
-<p:sld xmlns:a="http://schemas.openxmlformats.org/drawingml/2006/main" xmlns:r="http://schemas.openxmlformats.org/officeDocument/2006/relationships" xmlns:p="http://schemas.openxmlformats.org/presentationml/2006/main">
-  <p:cSld>
-    <p:spTree>
-      <p:nvGrpSpPr>
-        <p:cNvPr id="1" name=""/>
-        <p:cNvGrpSpPr/>
-        <p:nvPr/>
-      </p:nvGrpSpPr>
-      <p:grpSpPr>
-        <a:xfrm>
-          <a:off x="0" y="0"/>
-          <a:ext cx="0" cy="0"/>
-          <a:chOff x="0" y="0"/>
-          <a:chExt cx="0" cy="0"/>
-        </a:xfrm>
-      </p:grpSpPr>
-      <p:sp>
-        <p:nvSpPr>
-          <p:cNvPr id="2" name="Title 1"/>
-          <p:cNvSpPr>
-            <a:spLocks noGrp="1"/>
-          </p:cNvSpPr>
-          <p:nvPr>
-            <p:ph type="title"/>
-          </p:nvPr>
-        </p:nvSpPr>
-        <p:spPr/>
-        <p:txBody>
-          <a:bodyPr/>
-          <a:lstStyle/>
-          <a:p>
-            <a:r>
-              <a:rPr lang="en-US" dirty="0" smtClean="0"/>
-              <a:t>Data collection</a:t>
-            </a:r>
-            <a:endParaRPr lang="en-US" dirty="0"/>
-          </a:p>
-        </p:txBody>
-      </p:sp>
-      <p:sp>
-        <p:nvSpPr>
-          <p:cNvPr id="3" name="Content Placeholder 2"/>
-          <p:cNvSpPr>
-            <a:spLocks noGrp="1"/>
-          </p:cNvSpPr>
-          <p:nvPr>
-            <p:ph idx="1"/>
-          </p:nvPr>
-        </p:nvSpPr>
-        <p:spPr/>
-        <p:txBody>
-          <a:bodyPr/>
-          <a:lstStyle/>
-          <a:p>
-            <a:r>
-              <a:rPr lang="en-US" dirty="0" smtClean="0"/>
-              <a:t>Running the IFTTT app and collect all the Tweets that consist of one of the following stocks: $TSLA, $MSFT $AAPL in separate ”Google Sheets”</a:t>
-            </a:r>
-          </a:p>
-          <a:p>
-            <a:r>
-              <a:rPr lang="en-US" dirty="0" smtClean="0"/>
-              <a:t>Started: 13</a:t>
-            </a:r>
-            <a:r>
-              <a:rPr lang="en-US" baseline="30000" dirty="0" smtClean="0"/>
-              <a:t>th</a:t>
-            </a:r>
-            <a:r>
-              <a:rPr lang="en-US" dirty="0" smtClean="0"/>
-              <a:t> of December 2016 13:45 (CET)</a:t>
-            </a:r>
-          </a:p>
-          <a:p>
-            <a:r>
-              <a:rPr lang="en-US" dirty="0" smtClean="0"/>
-              <a:t>Amount of Tweets collected so far (estimates, 19</a:t>
-            </a:r>
-            <a:r>
-              <a:rPr lang="en-US" baseline="30000" dirty="0" smtClean="0"/>
-              <a:t>th</a:t>
-            </a:r>
-            <a:r>
-              <a:rPr lang="en-US" dirty="0" smtClean="0"/>
-              <a:t> December 2016, 19:25):</a:t>
-            </a:r>
-          </a:p>
-          <a:p>
-            <a:pPr lvl="1"/>
-            <a:r>
-              <a:rPr lang="en-US" dirty="0" smtClean="0"/>
-              <a:t>Tesla:	ca. 6000</a:t>
-            </a:r>
-          </a:p>
-          <a:p>
-            <a:pPr lvl="1"/>
-            <a:r>
-              <a:rPr lang="en-US" dirty="0" smtClean="0"/>
-              <a:t>Apple:	ca. 10’000</a:t>
-            </a:r>
-          </a:p>
-          <a:p>
-            <a:pPr lvl="1"/>
-            <a:r>
-              <a:rPr lang="en-US" dirty="0" smtClean="0"/>
-              <a:t>Microsoft:	ca. 8000</a:t>
-            </a:r>
-            <a:endParaRPr lang="en-US" dirty="0"/>
-          </a:p>
-        </p:txBody>
-      </p:sp>
-      <p:pic>
-        <p:nvPicPr>
-          <p:cNvPr id="4" name="Picture 3"/>
-          <p:cNvPicPr>
-            <a:picLocks noChangeAspect="1"/>
-          </p:cNvPicPr>
-          <p:nvPr/>
-        </p:nvPicPr>
-        <p:blipFill>
-          <a:blip r:embed="rId2">
-            <a:extLst>
-              <a:ext uri="{28A0092B-C50C-407E-A947-70E740481C1C}">
-                <a14:useLocalDpi xmlns:a14="http://schemas.microsoft.com/office/drawing/2010/main" val="0"/>
-              </a:ext>
-            </a:extLst>
-          </a:blip>
-          <a:stretch>
-            <a:fillRect/>
-          </a:stretch>
-        </p:blipFill>
-        <p:spPr>
-          <a:xfrm>
-            <a:off x="11076972" y="5729468"/>
-            <a:ext cx="1018572" cy="1018572"/>
-          </a:xfrm>
-          <a:prstGeom prst="rect">
-            <a:avLst/>
-          </a:prstGeom>
-        </p:spPr>
-      </p:pic>
-    </p:spTree>
-    <p:extLst>
-      <p:ext uri="{BB962C8B-B14F-4D97-AF65-F5344CB8AC3E}">
-        <p14:creationId xmlns:p14="http://schemas.microsoft.com/office/powerpoint/2010/main" val="47990993"/>
-      </p:ext>
-    </p:extLst>
-  </p:cSld>
-  <p:clrMapOvr>
-    <a:masterClrMapping/>
-  </p:clrMapOvr>
-  <p:timing>
-    <p:tnLst>
-      <p:par>
-        <p:cTn id="1" dur="indefinite" restart="never" nodeType="tmRoot"/>
-      </p:par>
-    </p:tnLst>
-  </p:timing>
-</p:sld>
-</file>
-
-<file path=ppt/slides/slide4.xml><?xml version="1.0" encoding="utf-8"?>
-<p:sld xmlns:a="http://schemas.openxmlformats.org/drawingml/2006/main" xmlns:r="http://schemas.openxmlformats.org/officeDocument/2006/relationships" xmlns:p="http://schemas.openxmlformats.org/presentationml/2006/main">
-  <p:cSld>
-    <p:spTree>
-      <p:nvGrpSpPr>
-        <p:cNvPr id="1" name=""/>
-        <p:cNvGrpSpPr/>
-        <p:nvPr/>
-      </p:nvGrpSpPr>
-      <p:grpSpPr>
-        <a:xfrm>
-          <a:off x="0" y="0"/>
-          <a:ext cx="0" cy="0"/>
-          <a:chOff x="0" y="0"/>
-          <a:chExt cx="0" cy="0"/>
-        </a:xfrm>
-      </p:grpSpPr>
-      <p:sp>
-        <p:nvSpPr>
-          <p:cNvPr id="2" name="Title 1"/>
-          <p:cNvSpPr>
-            <a:spLocks noGrp="1"/>
-          </p:cNvSpPr>
-          <p:nvPr>
-            <p:ph type="title"/>
-          </p:nvPr>
-        </p:nvSpPr>
-        <p:spPr/>
-        <p:txBody>
-          <a:bodyPr/>
-          <a:lstStyle/>
-          <a:p>
-            <a:r>
-              <a:rPr lang="en-US" dirty="0" smtClean="0"/>
-              <a:t>A Sample</a:t>
-            </a:r>
-            <a:endParaRPr lang="en-US" dirty="0"/>
-          </a:p>
-        </p:txBody>
-      </p:sp>
-      <p:pic>
-        <p:nvPicPr>
-          <p:cNvPr id="5" name="Content Placeholder 4"/>
-          <p:cNvPicPr>
-            <a:picLocks noGrp="1" noChangeAspect="1"/>
-          </p:cNvPicPr>
-          <p:nvPr>
-            <p:ph idx="1"/>
-          </p:nvPr>
-        </p:nvPicPr>
-        <p:blipFill>
-          <a:blip r:embed="rId2">
-            <a:extLst>
-              <a:ext uri="{28A0092B-C50C-407E-A947-70E740481C1C}">
-                <a14:useLocalDpi xmlns:a14="http://schemas.microsoft.com/office/drawing/2010/main" val="0"/>
-              </a:ext>
-            </a:extLst>
-          </a:blip>
-          <a:stretch>
-            <a:fillRect/>
-          </a:stretch>
-        </p:blipFill>
-        <p:spPr>
-          <a:xfrm>
-            <a:off x="1612736" y="1806001"/>
-            <a:ext cx="8966529" cy="4942039"/>
-          </a:xfrm>
-        </p:spPr>
-      </p:pic>
-      <p:pic>
-        <p:nvPicPr>
-          <p:cNvPr id="4" name="Picture 3"/>
-          <p:cNvPicPr>
-            <a:picLocks noChangeAspect="1"/>
-          </p:cNvPicPr>
-          <p:nvPr/>
-        </p:nvPicPr>
-        <p:blipFill>
-          <a:blip r:embed="rId3">
-            <a:extLst>
-              <a:ext uri="{28A0092B-C50C-407E-A947-70E740481C1C}">
-                <a14:useLocalDpi xmlns:a14="http://schemas.microsoft.com/office/drawing/2010/main" val="0"/>
-              </a:ext>
-            </a:extLst>
-          </a:blip>
-          <a:stretch>
-            <a:fillRect/>
-          </a:stretch>
-        </p:blipFill>
-        <p:spPr>
-          <a:xfrm>
-            <a:off x="11076972" y="5729468"/>
-            <a:ext cx="1018572" cy="1018572"/>
-          </a:xfrm>
-          <a:prstGeom prst="rect">
-            <a:avLst/>
-          </a:prstGeom>
-        </p:spPr>
-      </p:pic>
-    </p:spTree>
-    <p:extLst>
-      <p:ext uri="{BB962C8B-B14F-4D97-AF65-F5344CB8AC3E}">
-        <p14:creationId xmlns:p14="http://schemas.microsoft.com/office/powerpoint/2010/main" val="1566850775"/>
-      </p:ext>
-    </p:extLst>
-  </p:cSld>
-  <p:clrMapOvr>
-    <a:masterClrMapping/>
-  </p:clrMapOvr>
-  <p:timing>
-    <p:tnLst>
-      <p:par>
-        <p:cTn id="1" dur="indefinite" restart="never" nodeType="tmRoot"/>
-      </p:par>
-    </p:tnLst>
-  </p:timing>
-</p:sld>
-</file>
-
-<file path=ppt/slides/slide5.xml><?xml version="1.0" encoding="utf-8"?>
-<p:sld xmlns:a="http://schemas.openxmlformats.org/drawingml/2006/main" xmlns:r="http://schemas.openxmlformats.org/officeDocument/2006/relationships" xmlns:p="http://schemas.openxmlformats.org/presentationml/2006/main">
-  <p:cSld>
-    <p:spTree>
-      <p:nvGrpSpPr>
-        <p:cNvPr id="1" name=""/>
-        <p:cNvGrpSpPr/>
-        <p:nvPr/>
-      </p:nvGrpSpPr>
-      <p:grpSpPr>
-        <a:xfrm>
-          <a:off x="0" y="0"/>
-          <a:ext cx="0" cy="0"/>
-          <a:chOff x="0" y="0"/>
-          <a:chExt cx="0" cy="0"/>
-        </a:xfrm>
-      </p:grpSpPr>
-      <p:sp>
-        <p:nvSpPr>
-          <p:cNvPr id="2" name="Title 1"/>
-          <p:cNvSpPr>
-            <a:spLocks noGrp="1"/>
-          </p:cNvSpPr>
-          <p:nvPr>
-            <p:ph type="title"/>
-          </p:nvPr>
-        </p:nvSpPr>
-        <p:spPr/>
-        <p:txBody>
-          <a:bodyPr/>
-          <a:lstStyle/>
-          <a:p>
-            <a:r>
-              <a:rPr lang="en-US" dirty="0" smtClean="0"/>
-              <a:t>A Sample: $AAPL</a:t>
-            </a:r>
-            <a:endParaRPr lang="en-US" dirty="0"/>
-          </a:p>
-        </p:txBody>
-      </p:sp>
-      <p:pic>
-        <p:nvPicPr>
-          <p:cNvPr id="5" name="Content Placeholder 4"/>
-          <p:cNvPicPr>
-            <a:picLocks noGrp="1" noChangeAspect="1"/>
-          </p:cNvPicPr>
-          <p:nvPr>
-            <p:ph idx="1"/>
-          </p:nvPr>
-        </p:nvPicPr>
-        <p:blipFill>
-          <a:blip r:embed="rId2">
-            <a:extLst>
-              <a:ext uri="{28A0092B-C50C-407E-A947-70E740481C1C}">
-                <a14:useLocalDpi xmlns:a14="http://schemas.microsoft.com/office/drawing/2010/main" val="0"/>
-              </a:ext>
-            </a:extLst>
-          </a:blip>
-          <a:stretch>
-            <a:fillRect/>
-          </a:stretch>
-        </p:blipFill>
-        <p:spPr>
-          <a:xfrm>
-            <a:off x="1612736" y="1806001"/>
-            <a:ext cx="8966529" cy="4942039"/>
-          </a:xfrm>
-          <a:ln>
-            <a:solidFill>
-              <a:schemeClr val="accent1"/>
-            </a:solidFill>
-          </a:ln>
-        </p:spPr>
-      </p:pic>
-      <p:pic>
-        <p:nvPicPr>
-          <p:cNvPr id="4" name="Picture 3"/>
-          <p:cNvPicPr>
-            <a:picLocks noChangeAspect="1"/>
-          </p:cNvPicPr>
-          <p:nvPr/>
-        </p:nvPicPr>
-        <p:blipFill>
-          <a:blip r:embed="rId3">
-            <a:extLst>
-              <a:ext uri="{28A0092B-C50C-407E-A947-70E740481C1C}">
-                <a14:useLocalDpi xmlns:a14="http://schemas.microsoft.com/office/drawing/2010/main" val="0"/>
-              </a:ext>
-            </a:extLst>
-          </a:blip>
-          <a:stretch>
-            <a:fillRect/>
-          </a:stretch>
-        </p:blipFill>
-        <p:spPr>
-          <a:xfrm>
-            <a:off x="11076972" y="5729468"/>
-            <a:ext cx="1018572" cy="1018572"/>
-          </a:xfrm>
-          <a:prstGeom prst="rect">
-            <a:avLst/>
-          </a:prstGeom>
-        </p:spPr>
-      </p:pic>
-      <p:sp>
-        <p:nvSpPr>
-          <p:cNvPr id="3" name="Down Arrow 2"/>
-          <p:cNvSpPr/>
-          <p:nvPr/>
-        </p:nvSpPr>
-        <p:spPr>
-          <a:xfrm>
-            <a:off x="2939968" y="2010912"/>
-            <a:ext cx="208345" cy="439839"/>
-          </a:xfrm>
-          <a:prstGeom prst="downArrow">
-            <a:avLst/>
-          </a:prstGeom>
-          <a:solidFill>
-            <a:srgbClr val="FF0000"/>
-          </a:solidFill>
-        </p:spPr>
-        <p:style>
-          <a:lnRef idx="2">
-            <a:schemeClr val="accent1">
-              <a:shade val="50000"/>
-            </a:schemeClr>
-          </a:lnRef>
-          <a:fillRef idx="1">
-            <a:schemeClr val="accent1"/>
-          </a:fillRef>
-          <a:effectRef idx="0">
-            <a:schemeClr val="accent1"/>
-          </a:effectRef>
-          <a:fontRef idx="minor">
-            <a:schemeClr val="lt1"/>
-          </a:fontRef>
-        </p:style>
-        <p:txBody>
-          <a:bodyPr rtlCol="0" anchor="ctr"/>
-          <a:lstStyle/>
-          <a:p>
-            <a:pPr algn="ctr"/>
-            <a:endParaRPr lang="en-US"/>
-          </a:p>
-        </p:txBody>
-      </p:sp>
-      <p:sp>
-        <p:nvSpPr>
-          <p:cNvPr id="6" name="Down Arrow 5"/>
-          <p:cNvSpPr/>
-          <p:nvPr/>
-        </p:nvSpPr>
-        <p:spPr>
-          <a:xfrm>
-            <a:off x="5361006" y="2887949"/>
-            <a:ext cx="208345" cy="439839"/>
-          </a:xfrm>
-          <a:prstGeom prst="downArrow">
-            <a:avLst/>
-          </a:prstGeom>
-          <a:solidFill>
-            <a:srgbClr val="FF0000"/>
-          </a:solidFill>
-        </p:spPr>
-        <p:style>
-          <a:lnRef idx="2">
-            <a:schemeClr val="accent1">
-              <a:shade val="50000"/>
-            </a:schemeClr>
-          </a:lnRef>
-          <a:fillRef idx="1">
-            <a:schemeClr val="accent1"/>
-          </a:fillRef>
-          <a:effectRef idx="0">
-            <a:schemeClr val="accent1"/>
-          </a:effectRef>
-          <a:fontRef idx="minor">
-            <a:schemeClr val="lt1"/>
-          </a:fontRef>
-        </p:style>
-        <p:txBody>
-          <a:bodyPr rtlCol="0" anchor="ctr"/>
-          <a:lstStyle/>
-          <a:p>
-            <a:pPr algn="ctr"/>
-            <a:endParaRPr lang="en-US"/>
-          </a:p>
-        </p:txBody>
-      </p:sp>
-      <p:sp>
-        <p:nvSpPr>
-          <p:cNvPr id="7" name="Down Arrow 6"/>
-          <p:cNvSpPr/>
-          <p:nvPr/>
-        </p:nvSpPr>
-        <p:spPr>
-          <a:xfrm>
-            <a:off x="2835795" y="3327788"/>
-            <a:ext cx="208345" cy="439839"/>
-          </a:xfrm>
-          <a:prstGeom prst="downArrow">
-            <a:avLst/>
-          </a:prstGeom>
-          <a:solidFill>
-            <a:srgbClr val="FF0000"/>
-          </a:solidFill>
-        </p:spPr>
-        <p:style>
-          <a:lnRef idx="2">
-            <a:schemeClr val="accent1">
-              <a:shade val="50000"/>
-            </a:schemeClr>
-          </a:lnRef>
-          <a:fillRef idx="1">
-            <a:schemeClr val="accent1"/>
-          </a:fillRef>
-          <a:effectRef idx="0">
-            <a:schemeClr val="accent1"/>
-          </a:effectRef>
-          <a:fontRef idx="minor">
-            <a:schemeClr val="lt1"/>
-          </a:fontRef>
-        </p:style>
-        <p:txBody>
-          <a:bodyPr rtlCol="0" anchor="ctr"/>
-          <a:lstStyle/>
-          <a:p>
-            <a:pPr algn="ctr"/>
-            <a:endParaRPr lang="en-US"/>
-          </a:p>
-        </p:txBody>
-      </p:sp>
-      <p:sp>
-        <p:nvSpPr>
-          <p:cNvPr id="8" name="Down Arrow 7"/>
-          <p:cNvSpPr/>
-          <p:nvPr/>
-        </p:nvSpPr>
-        <p:spPr>
-          <a:xfrm>
-            <a:off x="3125162" y="3547707"/>
-            <a:ext cx="208345" cy="439839"/>
-          </a:xfrm>
-          <a:prstGeom prst="downArrow">
-            <a:avLst/>
-          </a:prstGeom>
-          <a:solidFill>
-            <a:srgbClr val="FF0000"/>
-          </a:solidFill>
-        </p:spPr>
-        <p:style>
-          <a:lnRef idx="2">
-            <a:schemeClr val="accent1">
-              <a:shade val="50000"/>
-            </a:schemeClr>
-          </a:lnRef>
-          <a:fillRef idx="1">
-            <a:schemeClr val="accent1"/>
-          </a:fillRef>
-          <a:effectRef idx="0">
-            <a:schemeClr val="accent1"/>
-          </a:effectRef>
-          <a:fontRef idx="minor">
-            <a:schemeClr val="lt1"/>
-          </a:fontRef>
-        </p:style>
-        <p:txBody>
-          <a:bodyPr rtlCol="0" anchor="ctr"/>
-          <a:lstStyle/>
-          <a:p>
-            <a:pPr algn="ctr"/>
-            <a:endParaRPr lang="en-US"/>
-          </a:p>
-        </p:txBody>
-      </p:sp>
-      <p:sp>
-        <p:nvSpPr>
-          <p:cNvPr id="9" name="Down Arrow 8"/>
-          <p:cNvSpPr/>
-          <p:nvPr/>
-        </p:nvSpPr>
-        <p:spPr>
-          <a:xfrm>
-            <a:off x="5152661" y="4718679"/>
-            <a:ext cx="208345" cy="439839"/>
-          </a:xfrm>
-          <a:prstGeom prst="downArrow">
-            <a:avLst/>
-          </a:prstGeom>
-          <a:solidFill>
-            <a:srgbClr val="FF0000"/>
-          </a:solidFill>
-        </p:spPr>
-        <p:style>
-          <a:lnRef idx="2">
-            <a:schemeClr val="accent1">
-              <a:shade val="50000"/>
-            </a:schemeClr>
-          </a:lnRef>
-          <a:fillRef idx="1">
-            <a:schemeClr val="accent1"/>
-          </a:fillRef>
-          <a:effectRef idx="0">
-            <a:schemeClr val="accent1"/>
-          </a:effectRef>
-          <a:fontRef idx="minor">
-            <a:schemeClr val="lt1"/>
-          </a:fontRef>
-        </p:style>
-        <p:txBody>
-          <a:bodyPr rtlCol="0" anchor="ctr"/>
-          <a:lstStyle/>
-          <a:p>
-            <a:pPr algn="ctr"/>
-            <a:endParaRPr lang="en-US"/>
-          </a:p>
-        </p:txBody>
-      </p:sp>
-      <p:sp>
-        <p:nvSpPr>
-          <p:cNvPr id="10" name="Down Arrow 9"/>
-          <p:cNvSpPr/>
-          <p:nvPr/>
-        </p:nvSpPr>
-        <p:spPr>
-          <a:xfrm>
-            <a:off x="5108290" y="5940887"/>
-            <a:ext cx="208345" cy="439839"/>
-          </a:xfrm>
-          <a:prstGeom prst="downArrow">
-            <a:avLst/>
-          </a:prstGeom>
-          <a:solidFill>
-            <a:srgbClr val="FF0000"/>
-          </a:solidFill>
-        </p:spPr>
-        <p:style>
-          <a:lnRef idx="2">
-            <a:schemeClr val="accent1">
-              <a:shade val="50000"/>
-            </a:schemeClr>
-          </a:lnRef>
-          <a:fillRef idx="1">
-            <a:schemeClr val="accent1"/>
-          </a:fillRef>
-          <a:effectRef idx="0">
-            <a:schemeClr val="accent1"/>
-          </a:effectRef>
-          <a:fontRef idx="minor">
-            <a:schemeClr val="lt1"/>
-          </a:fontRef>
-        </p:style>
-        <p:txBody>
-          <a:bodyPr rtlCol="0" anchor="ctr"/>
-          <a:lstStyle/>
-          <a:p>
-            <a:pPr algn="ctr"/>
-            <a:endParaRPr lang="en-US"/>
-          </a:p>
-        </p:txBody>
-      </p:sp>
-    </p:spTree>
-    <p:extLst>
-      <p:ext uri="{BB962C8B-B14F-4D97-AF65-F5344CB8AC3E}">
-        <p14:creationId xmlns:p14="http://schemas.microsoft.com/office/powerpoint/2010/main" val="796188809"/>
-      </p:ext>
-    </p:extLst>
-  </p:cSld>
-  <p:clrMapOvr>
-    <a:masterClrMapping/>
-  </p:clrMapOvr>
-  <p:timing>
-    <p:tnLst>
-      <p:par>
-        <p:cTn id="1" dur="indefinite" restart="never" nodeType="tmRoot"/>
-      </p:par>
-    </p:tnLst>
-  </p:timing>
-</p:sld>
-</file>
-
-<file path=ppt/slides/slide6.xml><?xml version="1.0" encoding="utf-8"?>
-<p:sld xmlns:a="http://schemas.openxmlformats.org/drawingml/2006/main" xmlns:r="http://schemas.openxmlformats.org/officeDocument/2006/relationships" xmlns:p="http://schemas.openxmlformats.org/presentationml/2006/main">
-  <p:cSld>
-    <p:spTree>
-      <p:nvGrpSpPr>
-        <p:cNvPr id="1" name=""/>
-        <p:cNvGrpSpPr/>
-        <p:nvPr/>
-      </p:nvGrpSpPr>
-      <p:grpSpPr>
-        <a:xfrm>
-          <a:off x="0" y="0"/>
-          <a:ext cx="0" cy="0"/>
-          <a:chOff x="0" y="0"/>
-          <a:chExt cx="0" cy="0"/>
-        </a:xfrm>
-      </p:grpSpPr>
-      <p:sp>
-        <p:nvSpPr>
-          <p:cNvPr id="2" name="Title 1"/>
-          <p:cNvSpPr>
-            <a:spLocks noGrp="1"/>
-          </p:cNvSpPr>
-          <p:nvPr>
-            <p:ph type="title"/>
-          </p:nvPr>
-        </p:nvSpPr>
-        <p:spPr/>
-        <p:txBody>
-          <a:bodyPr/>
-          <a:lstStyle/>
-          <a:p>
-            <a:r>
-              <a:rPr lang="en-US" dirty="0" smtClean="0"/>
-              <a:t>The challenges of the data</a:t>
-            </a:r>
-            <a:endParaRPr lang="en-US" dirty="0"/>
-          </a:p>
-        </p:txBody>
-      </p:sp>
-      <p:pic>
-        <p:nvPicPr>
-          <p:cNvPr id="5" name="Content Placeholder 4"/>
-          <p:cNvPicPr>
-            <a:picLocks noGrp="1" noChangeAspect="1"/>
-          </p:cNvPicPr>
-          <p:nvPr>
-            <p:ph idx="1"/>
-          </p:nvPr>
-        </p:nvPicPr>
-        <p:blipFill>
-          <a:blip r:embed="rId2">
-            <a:extLst>
-              <a:ext uri="{28A0092B-C50C-407E-A947-70E740481C1C}">
-                <a14:useLocalDpi xmlns:a14="http://schemas.microsoft.com/office/drawing/2010/main" val="0"/>
-              </a:ext>
-            </a:extLst>
-          </a:blip>
-          <a:stretch>
-            <a:fillRect/>
-          </a:stretch>
-        </p:blipFill>
-        <p:spPr>
-          <a:xfrm>
-            <a:off x="426695" y="3441538"/>
-            <a:ext cx="11338611" cy="609602"/>
-          </a:xfrm>
-        </p:spPr>
-      </p:pic>
-      <p:pic>
-        <p:nvPicPr>
-          <p:cNvPr id="4" name="Picture 3"/>
-          <p:cNvPicPr>
-            <a:picLocks noChangeAspect="1"/>
-          </p:cNvPicPr>
-          <p:nvPr/>
-        </p:nvPicPr>
-        <p:blipFill>
-          <a:blip r:embed="rId3">
-            <a:extLst>
-              <a:ext uri="{28A0092B-C50C-407E-A947-70E740481C1C}">
-                <a14:useLocalDpi xmlns:a14="http://schemas.microsoft.com/office/drawing/2010/main" val="0"/>
-              </a:ext>
-            </a:extLst>
-          </a:blip>
-          <a:stretch>
-            <a:fillRect/>
-          </a:stretch>
-        </p:blipFill>
-        <p:spPr>
-          <a:xfrm>
-            <a:off x="11076972" y="5729468"/>
-            <a:ext cx="1018572" cy="1018572"/>
-          </a:xfrm>
-          <a:prstGeom prst="rect">
-            <a:avLst/>
-          </a:prstGeom>
-        </p:spPr>
-      </p:pic>
-      <p:sp>
-        <p:nvSpPr>
-          <p:cNvPr id="7" name="Title 1"/>
-          <p:cNvSpPr txBox="1">
-            <a:spLocks/>
-          </p:cNvSpPr>
-          <p:nvPr/>
-        </p:nvSpPr>
-        <p:spPr>
-          <a:xfrm>
-            <a:off x="1141413" y="1023925"/>
-            <a:ext cx="9905998" cy="1478570"/>
-          </a:xfrm>
-          <a:prstGeom prst="rect">
-            <a:avLst/>
-          </a:prstGeom>
-        </p:spPr>
-        <p:txBody>
-          <a:bodyPr vert="horz" lIns="91440" tIns="45720" rIns="91440" bIns="45720" rtlCol="0" anchor="ctr">
-            <a:normAutofit/>
-          </a:bodyPr>
-          <a:lstStyle>
-            <a:lvl1pPr algn="l" defTabSz="914400" rtl="0" eaLnBrk="1" latinLnBrk="0" hangingPunct="1">
-              <a:lnSpc>
-                <a:spcPct val="90000"/>
-              </a:lnSpc>
-              <a:spcBef>
-                <a:spcPct val="0"/>
-              </a:spcBef>
-              <a:buNone/>
-              <a:defRPr sz="3600" kern="1200" cap="all" baseline="0">
-                <a:solidFill>
-                  <a:schemeClr val="tx1"/>
-                </a:solidFill>
-                <a:latin typeface="+mj-lt"/>
-                <a:ea typeface="+mj-ea"/>
-                <a:cs typeface="+mj-cs"/>
-              </a:defRPr>
-            </a:lvl1pPr>
-          </a:lstStyle>
-          <a:p>
-            <a:r>
-              <a:rPr lang="en-US" dirty="0" smtClean="0">
-                <a:solidFill>
-                  <a:srgbClr val="FF0000"/>
-                </a:solidFill>
-              </a:rPr>
-              <a:t>Duplicates</a:t>
-            </a:r>
-            <a:endParaRPr lang="en-US" dirty="0">
-              <a:solidFill>
-                <a:srgbClr val="FF0000"/>
-              </a:solidFill>
-            </a:endParaRPr>
-          </a:p>
-        </p:txBody>
-      </p:sp>
-    </p:spTree>
-    <p:extLst>
-      <p:ext uri="{BB962C8B-B14F-4D97-AF65-F5344CB8AC3E}">
-        <p14:creationId xmlns:p14="http://schemas.microsoft.com/office/powerpoint/2010/main" val="1278251726"/>
-      </p:ext>
-    </p:extLst>
-  </p:cSld>
-  <p:clrMapOvr>
-    <a:masterClrMapping/>
-  </p:clrMapOvr>
-  <p:timing>
-    <p:tnLst>
-      <p:par>
-        <p:cTn id="1" dur="indefinite" restart="never" nodeType="tmRoot"/>
-      </p:par>
-    </p:tnLst>
-  </p:timing>
-</p:sld>
-</file>
-
-<file path=ppt/slides/slide7.xml><?xml version="1.0" encoding="utf-8"?>
-<p:sld xmlns:a="http://schemas.openxmlformats.org/drawingml/2006/main" xmlns:r="http://schemas.openxmlformats.org/officeDocument/2006/relationships" xmlns:p="http://schemas.openxmlformats.org/presentationml/2006/main">
-  <p:cSld>
-    <p:spTree>
-      <p:nvGrpSpPr>
-        <p:cNvPr id="1" name=""/>
-        <p:cNvGrpSpPr/>
-        <p:nvPr/>
-      </p:nvGrpSpPr>
-      <p:grpSpPr>
-        <a:xfrm>
-          <a:off x="0" y="0"/>
-          <a:ext cx="0" cy="0"/>
-          <a:chOff x="0" y="0"/>
-          <a:chExt cx="0" cy="0"/>
-        </a:xfrm>
-      </p:grpSpPr>
-      <p:sp>
-        <p:nvSpPr>
-          <p:cNvPr id="2" name="Title 1"/>
-          <p:cNvSpPr>
-            <a:spLocks noGrp="1"/>
-          </p:cNvSpPr>
-          <p:nvPr>
-            <p:ph type="title"/>
-          </p:nvPr>
-        </p:nvSpPr>
-        <p:spPr/>
-        <p:txBody>
-          <a:bodyPr/>
-          <a:lstStyle/>
-          <a:p>
-            <a:r>
-              <a:rPr lang="en-US" dirty="0" smtClean="0"/>
-              <a:t>The challenges of the data</a:t>
-            </a:r>
-            <a:endParaRPr lang="en-US" dirty="0"/>
-          </a:p>
-        </p:txBody>
-      </p:sp>
-      <p:pic>
-        <p:nvPicPr>
-          <p:cNvPr id="5" name="Content Placeholder 4"/>
-          <p:cNvPicPr>
-            <a:picLocks noGrp="1" noChangeAspect="1"/>
-          </p:cNvPicPr>
-          <p:nvPr>
-            <p:ph idx="1"/>
-          </p:nvPr>
-        </p:nvPicPr>
-        <p:blipFill>
-          <a:blip r:embed="rId2">
-            <a:extLst>
-              <a:ext uri="{28A0092B-C50C-407E-A947-70E740481C1C}">
-                <a14:useLocalDpi xmlns:a14="http://schemas.microsoft.com/office/drawing/2010/main" val="0"/>
-              </a:ext>
-            </a:extLst>
-          </a:blip>
-          <a:stretch>
-            <a:fillRect/>
-          </a:stretch>
-        </p:blipFill>
-        <p:spPr>
-          <a:xfrm>
-            <a:off x="426695" y="3441538"/>
-            <a:ext cx="11338611" cy="609602"/>
-          </a:xfrm>
-        </p:spPr>
-      </p:pic>
-      <p:pic>
-        <p:nvPicPr>
-          <p:cNvPr id="4" name="Picture 3"/>
-          <p:cNvPicPr>
-            <a:picLocks noChangeAspect="1"/>
-          </p:cNvPicPr>
-          <p:nvPr/>
-        </p:nvPicPr>
-        <p:blipFill>
-          <a:blip r:embed="rId3">
-            <a:extLst>
-              <a:ext uri="{28A0092B-C50C-407E-A947-70E740481C1C}">
-                <a14:useLocalDpi xmlns:a14="http://schemas.microsoft.com/office/drawing/2010/main" val="0"/>
-              </a:ext>
-            </a:extLst>
-          </a:blip>
-          <a:stretch>
-            <a:fillRect/>
-          </a:stretch>
-        </p:blipFill>
-        <p:spPr>
-          <a:xfrm>
-            <a:off x="11076972" y="5729468"/>
-            <a:ext cx="1018572" cy="1018572"/>
-          </a:xfrm>
-          <a:prstGeom prst="rect">
-            <a:avLst/>
-          </a:prstGeom>
-        </p:spPr>
-      </p:pic>
-      <p:sp>
-        <p:nvSpPr>
-          <p:cNvPr id="6" name="Frame 5"/>
-          <p:cNvSpPr/>
-          <p:nvPr/>
-        </p:nvSpPr>
-        <p:spPr>
-          <a:xfrm>
-            <a:off x="4120588" y="3275635"/>
-            <a:ext cx="1851949" cy="949124"/>
-          </a:xfrm>
-          <a:prstGeom prst="frame">
-            <a:avLst/>
-          </a:prstGeom>
-          <a:solidFill>
-            <a:srgbClr val="FF0000"/>
-          </a:solidFill>
-        </p:spPr>
-        <p:style>
-          <a:lnRef idx="2">
-            <a:schemeClr val="accent1">
-              <a:shade val="50000"/>
-            </a:schemeClr>
-          </a:lnRef>
-          <a:fillRef idx="1">
-            <a:schemeClr val="accent1"/>
-          </a:fillRef>
-          <a:effectRef idx="0">
-            <a:schemeClr val="accent1"/>
-          </a:effectRef>
-          <a:fontRef idx="minor">
-            <a:schemeClr val="lt1"/>
-          </a:fontRef>
-        </p:style>
-        <p:txBody>
-          <a:bodyPr rtlCol="0" anchor="ctr"/>
-          <a:lstStyle/>
-          <a:p>
-            <a:pPr algn="ctr"/>
-            <a:endParaRPr lang="en-US">
-              <a:solidFill>
-                <a:schemeClr val="tx1"/>
-              </a:solidFill>
-            </a:endParaRPr>
-          </a:p>
-        </p:txBody>
-      </p:sp>
-      <p:sp>
-        <p:nvSpPr>
-          <p:cNvPr id="7" name="Title 1"/>
-          <p:cNvSpPr txBox="1">
-            <a:spLocks/>
-          </p:cNvSpPr>
-          <p:nvPr/>
-        </p:nvSpPr>
-        <p:spPr>
-          <a:xfrm>
-            <a:off x="1141413" y="1023925"/>
-            <a:ext cx="9905998" cy="1478570"/>
-          </a:xfrm>
-          <a:prstGeom prst="rect">
-            <a:avLst/>
-          </a:prstGeom>
-        </p:spPr>
-        <p:txBody>
-          <a:bodyPr vert="horz" lIns="91440" tIns="45720" rIns="91440" bIns="45720" rtlCol="0" anchor="ctr">
-            <a:normAutofit/>
-          </a:bodyPr>
-          <a:lstStyle>
-            <a:lvl1pPr algn="l" defTabSz="914400" rtl="0" eaLnBrk="1" latinLnBrk="0" hangingPunct="1">
-              <a:lnSpc>
-                <a:spcPct val="90000"/>
-              </a:lnSpc>
-              <a:spcBef>
-                <a:spcPct val="0"/>
-              </a:spcBef>
-              <a:buNone/>
-              <a:defRPr sz="3600" kern="1200" cap="all" baseline="0">
-                <a:solidFill>
-                  <a:schemeClr val="tx1"/>
-                </a:solidFill>
-                <a:latin typeface="+mj-lt"/>
-                <a:ea typeface="+mj-ea"/>
-                <a:cs typeface="+mj-cs"/>
-              </a:defRPr>
-            </a:lvl1pPr>
-          </a:lstStyle>
-          <a:p>
-            <a:r>
-              <a:rPr lang="en-US" dirty="0" smtClean="0">
-                <a:solidFill>
-                  <a:srgbClr val="FF0000"/>
-                </a:solidFill>
-              </a:rPr>
-              <a:t>Duplicates</a:t>
-            </a:r>
-            <a:endParaRPr lang="en-US" dirty="0">
-              <a:solidFill>
-                <a:srgbClr val="FF0000"/>
-              </a:solidFill>
-            </a:endParaRPr>
-          </a:p>
-        </p:txBody>
-      </p:sp>
-      <p:sp>
-        <p:nvSpPr>
-          <p:cNvPr id="3" name="TextBox 2"/>
-          <p:cNvSpPr txBox="1"/>
-          <p:nvPr/>
-        </p:nvSpPr>
-        <p:spPr>
-          <a:xfrm>
-            <a:off x="2882096" y="4884516"/>
-            <a:ext cx="5334730" cy="923330"/>
-          </a:xfrm>
-          <a:prstGeom prst="rect">
-            <a:avLst/>
-          </a:prstGeom>
-          <a:noFill/>
-        </p:spPr>
-        <p:txBody>
-          <a:bodyPr wrap="none" rtlCol="0">
-            <a:spAutoFit/>
-          </a:bodyPr>
-          <a:lstStyle/>
-          <a:p>
-            <a:pPr marL="285750" indent="-285750">
-              <a:buFontTx/>
-              <a:buChar char="-"/>
-            </a:pPr>
-            <a:r>
-              <a:rPr lang="en-US" dirty="0" smtClean="0"/>
-              <a:t>A tweet is counted more than once.</a:t>
-            </a:r>
-          </a:p>
-          <a:p>
-            <a:pPr marL="285750" indent="-285750">
-              <a:buFontTx/>
-              <a:buChar char="-"/>
-            </a:pPr>
-            <a:r>
-              <a:rPr lang="en-US" dirty="0" smtClean="0"/>
-              <a:t>The only difference is the link</a:t>
-            </a:r>
-          </a:p>
-          <a:p>
-            <a:pPr marL="285750" indent="-285750">
-              <a:buFontTx/>
-              <a:buChar char="-"/>
-            </a:pPr>
-            <a:r>
-              <a:rPr lang="en-US" dirty="0" smtClean="0"/>
-              <a:t>Multiple accounts </a:t>
-            </a:r>
-            <a:r>
-              <a:rPr lang="mr-IN" dirty="0" smtClean="0"/>
-              <a:t>–</a:t>
-            </a:r>
-            <a:r>
-              <a:rPr lang="en-US" dirty="0" smtClean="0"/>
-              <a:t> which account should be counted?</a:t>
-            </a:r>
-          </a:p>
-        </p:txBody>
-      </p:sp>
-    </p:spTree>
-    <p:extLst>
-      <p:ext uri="{BB962C8B-B14F-4D97-AF65-F5344CB8AC3E}">
-        <p14:creationId xmlns:p14="http://schemas.microsoft.com/office/powerpoint/2010/main" val="1664646443"/>
+        <p14:creationId xmlns:p14="http://schemas.microsoft.com/office/powerpoint/2010/main" val="1217867820"/>
       </p:ext>
     </p:extLst>
   </p:cSld>
@@ -14850,6 +14194,55 @@
                       </p:childTnLst>
                     </p:cTn>
                   </p:par>
+                  <p:par>
+                    <p:cTn id="15" fill="hold">
+                      <p:stCondLst>
+                        <p:cond delay="indefinite"/>
+                      </p:stCondLst>
+                      <p:childTnLst>
+                        <p:par>
+                          <p:cTn id="16" fill="hold">
+                            <p:stCondLst>
+                              <p:cond delay="0"/>
+                            </p:stCondLst>
+                            <p:childTnLst>
+                              <p:par>
+                                <p:cTn id="17" presetID="1" presetClass="entr" presetSubtype="0" fill="hold" nodeType="clickEffect">
+                                  <p:stCondLst>
+                                    <p:cond delay="0"/>
+                                  </p:stCondLst>
+                                  <p:childTnLst>
+                                    <p:set>
+                                      <p:cBhvr>
+                                        <p:cTn id="18" dur="1" fill="hold">
+                                          <p:stCondLst>
+                                            <p:cond delay="0"/>
+                                          </p:stCondLst>
+                                        </p:cTn>
+                                        <p:tgtEl>
+                                          <p:spTgt spid="3">
+                                            <p:txEl>
+                                              <p:pRg st="3" end="3"/>
+                                            </p:txEl>
+                                          </p:spTgt>
+                                        </p:tgtEl>
+                                        <p:attrNameLst>
+                                          <p:attrName>style.visibility</p:attrName>
+                                        </p:attrNameLst>
+                                      </p:cBhvr>
+                                      <p:to>
+                                        <p:strVal val="visible"/>
+                                      </p:to>
+                                    </p:set>
+                                  </p:childTnLst>
+                                </p:cTn>
+                              </p:par>
+                            </p:childTnLst>
+                          </p:cTn>
+                        </p:par>
+                      </p:childTnLst>
+                    </p:cTn>
+                  </p:par>
                 </p:childTnLst>
               </p:cTn>
               <p:prevCondLst>
@@ -14869,6 +14262,1349 @@
             </p:seq>
           </p:childTnLst>
         </p:cTn>
+      </p:par>
+    </p:tnLst>
+  </p:timing>
+</p:sld>
+</file>
+
+<file path=ppt/slides/slide2.xml><?xml version="1.0" encoding="utf-8"?>
+<p:sld xmlns:a="http://schemas.openxmlformats.org/drawingml/2006/main" xmlns:r="http://schemas.openxmlformats.org/officeDocument/2006/relationships" xmlns:p="http://schemas.openxmlformats.org/presentationml/2006/main">
+  <p:cSld>
+    <p:spTree>
+      <p:nvGrpSpPr>
+        <p:cNvPr id="1" name=""/>
+        <p:cNvGrpSpPr/>
+        <p:nvPr/>
+      </p:nvGrpSpPr>
+      <p:grpSpPr>
+        <a:xfrm>
+          <a:off x="0" y="0"/>
+          <a:ext cx="0" cy="0"/>
+          <a:chOff x="0" y="0"/>
+          <a:chExt cx="0" cy="0"/>
+        </a:xfrm>
+      </p:grpSpPr>
+      <p:sp>
+        <p:nvSpPr>
+          <p:cNvPr id="2" name="Title 1"/>
+          <p:cNvSpPr>
+            <a:spLocks noGrp="1"/>
+          </p:cNvSpPr>
+          <p:nvPr>
+            <p:ph type="title"/>
+          </p:nvPr>
+        </p:nvSpPr>
+        <p:spPr/>
+        <p:txBody>
+          <a:bodyPr/>
+          <a:lstStyle/>
+          <a:p>
+            <a:r>
+              <a:rPr lang="en-US" dirty="0" smtClean="0"/>
+              <a:t>Research </a:t>
+            </a:r>
+            <a:r>
+              <a:rPr lang="en-US" dirty="0" smtClean="0"/>
+              <a:t>Question</a:t>
+            </a:r>
+            <a:endParaRPr lang="en-US" dirty="0"/>
+          </a:p>
+        </p:txBody>
+      </p:sp>
+      <p:sp>
+        <p:nvSpPr>
+          <p:cNvPr id="3" name="Content Placeholder 2"/>
+          <p:cNvSpPr>
+            <a:spLocks noGrp="1"/>
+          </p:cNvSpPr>
+          <p:nvPr>
+            <p:ph idx="1"/>
+          </p:nvPr>
+        </p:nvSpPr>
+        <p:spPr>
+          <a:xfrm>
+            <a:off x="1564856" y="2134148"/>
+            <a:ext cx="9059111" cy="3541714"/>
+          </a:xfrm>
+        </p:spPr>
+        <p:txBody>
+          <a:bodyPr>
+            <a:normAutofit/>
+          </a:bodyPr>
+          <a:lstStyle/>
+          <a:p>
+            <a:pPr marL="0" indent="0" algn="ctr">
+              <a:buNone/>
+            </a:pPr>
+            <a:r>
+              <a:rPr lang="en-US" sz="5000" b="1" dirty="0" smtClean="0"/>
+              <a:t>Is there a correlation between the amount of tweets and </a:t>
+            </a:r>
+            <a:r>
+              <a:rPr lang="en-US" sz="5000" b="1" smtClean="0"/>
+              <a:t>the </a:t>
+            </a:r>
+            <a:r>
+              <a:rPr lang="en-US" sz="5000" b="1" smtClean="0"/>
+              <a:t>trading volume </a:t>
+            </a:r>
+            <a:r>
+              <a:rPr lang="en-US" sz="5000" b="1" dirty="0" smtClean="0"/>
+              <a:t>of the Tesla stock?</a:t>
+            </a:r>
+            <a:endParaRPr lang="en-US" sz="5000" b="1" dirty="0"/>
+          </a:p>
+        </p:txBody>
+      </p:sp>
+      <p:pic>
+        <p:nvPicPr>
+          <p:cNvPr id="4" name="Picture 3"/>
+          <p:cNvPicPr>
+            <a:picLocks noChangeAspect="1"/>
+          </p:cNvPicPr>
+          <p:nvPr/>
+        </p:nvPicPr>
+        <p:blipFill>
+          <a:blip r:embed="rId2">
+            <a:extLst>
+              <a:ext uri="{28A0092B-C50C-407E-A947-70E740481C1C}">
+                <a14:useLocalDpi xmlns:a14="http://schemas.microsoft.com/office/drawing/2010/main" val="0"/>
+              </a:ext>
+            </a:extLst>
+          </a:blip>
+          <a:stretch>
+            <a:fillRect/>
+          </a:stretch>
+        </p:blipFill>
+        <p:spPr>
+          <a:xfrm>
+            <a:off x="11076972" y="5729468"/>
+            <a:ext cx="1018572" cy="1018572"/>
+          </a:xfrm>
+          <a:prstGeom prst="rect">
+            <a:avLst/>
+          </a:prstGeom>
+        </p:spPr>
+      </p:pic>
+    </p:spTree>
+    <p:extLst>
+      <p:ext uri="{BB962C8B-B14F-4D97-AF65-F5344CB8AC3E}">
+        <p14:creationId xmlns:p14="http://schemas.microsoft.com/office/powerpoint/2010/main" val="1608028184"/>
+      </p:ext>
+    </p:extLst>
+  </p:cSld>
+  <p:clrMapOvr>
+    <a:masterClrMapping/>
+  </p:clrMapOvr>
+  <p:timing>
+    <p:tnLst>
+      <p:par>
+        <p:cTn id="1" dur="indefinite" restart="never" nodeType="tmRoot"/>
+      </p:par>
+    </p:tnLst>
+  </p:timing>
+</p:sld>
+</file>
+
+<file path=ppt/slides/slide3.xml><?xml version="1.0" encoding="utf-8"?>
+<p:sld xmlns:a="http://schemas.openxmlformats.org/drawingml/2006/main" xmlns:r="http://schemas.openxmlformats.org/officeDocument/2006/relationships" xmlns:p="http://schemas.openxmlformats.org/presentationml/2006/main">
+  <p:cSld>
+    <p:spTree>
+      <p:nvGrpSpPr>
+        <p:cNvPr id="1" name=""/>
+        <p:cNvGrpSpPr/>
+        <p:nvPr/>
+      </p:nvGrpSpPr>
+      <p:grpSpPr>
+        <a:xfrm>
+          <a:off x="0" y="0"/>
+          <a:ext cx="0" cy="0"/>
+          <a:chOff x="0" y="0"/>
+          <a:chExt cx="0" cy="0"/>
+        </a:xfrm>
+      </p:grpSpPr>
+      <p:sp>
+        <p:nvSpPr>
+          <p:cNvPr id="2" name="Title 1"/>
+          <p:cNvSpPr>
+            <a:spLocks noGrp="1"/>
+          </p:cNvSpPr>
+          <p:nvPr>
+            <p:ph type="title"/>
+          </p:nvPr>
+        </p:nvSpPr>
+        <p:spPr/>
+        <p:txBody>
+          <a:bodyPr/>
+          <a:lstStyle/>
+          <a:p>
+            <a:r>
+              <a:rPr lang="en-US" dirty="0" smtClean="0"/>
+              <a:t>Research </a:t>
+            </a:r>
+            <a:r>
+              <a:rPr lang="en-US" dirty="0" smtClean="0"/>
+              <a:t>Question</a:t>
+            </a:r>
+            <a:endParaRPr lang="en-US" dirty="0"/>
+          </a:p>
+        </p:txBody>
+      </p:sp>
+      <p:pic>
+        <p:nvPicPr>
+          <p:cNvPr id="4" name="Picture 3"/>
+          <p:cNvPicPr>
+            <a:picLocks noChangeAspect="1"/>
+          </p:cNvPicPr>
+          <p:nvPr/>
+        </p:nvPicPr>
+        <p:blipFill>
+          <a:blip r:embed="rId2">
+            <a:extLst>
+              <a:ext uri="{28A0092B-C50C-407E-A947-70E740481C1C}">
+                <a14:useLocalDpi xmlns:a14="http://schemas.microsoft.com/office/drawing/2010/main" val="0"/>
+              </a:ext>
+            </a:extLst>
+          </a:blip>
+          <a:stretch>
+            <a:fillRect/>
+          </a:stretch>
+        </p:blipFill>
+        <p:spPr>
+          <a:xfrm>
+            <a:off x="11076972" y="5729468"/>
+            <a:ext cx="1018572" cy="1018572"/>
+          </a:xfrm>
+          <a:prstGeom prst="rect">
+            <a:avLst/>
+          </a:prstGeom>
+        </p:spPr>
+      </p:pic>
+      <p:pic>
+        <p:nvPicPr>
+          <p:cNvPr id="7" name="Picture 6"/>
+          <p:cNvPicPr>
+            <a:picLocks noChangeAspect="1"/>
+          </p:cNvPicPr>
+          <p:nvPr/>
+        </p:nvPicPr>
+        <p:blipFill>
+          <a:blip r:embed="rId3">
+            <a:extLst>
+              <a:ext uri="{28A0092B-C50C-407E-A947-70E740481C1C}">
+                <a14:useLocalDpi xmlns:a14="http://schemas.microsoft.com/office/drawing/2010/main" val="0"/>
+              </a:ext>
+            </a:extLst>
+          </a:blip>
+          <a:stretch>
+            <a:fillRect/>
+          </a:stretch>
+        </p:blipFill>
+        <p:spPr>
+          <a:xfrm>
+            <a:off x="3109141" y="1616917"/>
+            <a:ext cx="5970541" cy="4913586"/>
+          </a:xfrm>
+          <a:prstGeom prst="rect">
+            <a:avLst/>
+          </a:prstGeom>
+        </p:spPr>
+      </p:pic>
+    </p:spTree>
+    <p:extLst>
+      <p:ext uri="{BB962C8B-B14F-4D97-AF65-F5344CB8AC3E}">
+        <p14:creationId xmlns:p14="http://schemas.microsoft.com/office/powerpoint/2010/main" val="1067497399"/>
+      </p:ext>
+    </p:extLst>
+  </p:cSld>
+  <p:clrMapOvr>
+    <a:masterClrMapping/>
+  </p:clrMapOvr>
+  <p:timing>
+    <p:tnLst>
+      <p:par>
+        <p:cTn id="1" dur="indefinite" restart="never" nodeType="tmRoot"/>
+      </p:par>
+    </p:tnLst>
+  </p:timing>
+</p:sld>
+</file>
+
+<file path=ppt/slides/slide4.xml><?xml version="1.0" encoding="utf-8"?>
+<p:sld xmlns:a="http://schemas.openxmlformats.org/drawingml/2006/main" xmlns:r="http://schemas.openxmlformats.org/officeDocument/2006/relationships" xmlns:p="http://schemas.openxmlformats.org/presentationml/2006/main">
+  <p:cSld>
+    <p:spTree>
+      <p:nvGrpSpPr>
+        <p:cNvPr id="1" name=""/>
+        <p:cNvGrpSpPr/>
+        <p:nvPr/>
+      </p:nvGrpSpPr>
+      <p:grpSpPr>
+        <a:xfrm>
+          <a:off x="0" y="0"/>
+          <a:ext cx="0" cy="0"/>
+          <a:chOff x="0" y="0"/>
+          <a:chExt cx="0" cy="0"/>
+        </a:xfrm>
+      </p:grpSpPr>
+      <p:sp>
+        <p:nvSpPr>
+          <p:cNvPr id="2" name="Title 1"/>
+          <p:cNvSpPr>
+            <a:spLocks noGrp="1"/>
+          </p:cNvSpPr>
+          <p:nvPr>
+            <p:ph type="title"/>
+          </p:nvPr>
+        </p:nvSpPr>
+        <p:spPr/>
+        <p:txBody>
+          <a:bodyPr/>
+          <a:lstStyle/>
+          <a:p>
+            <a:r>
+              <a:rPr lang="en-US" dirty="0" smtClean="0"/>
+              <a:t>Research </a:t>
+            </a:r>
+            <a:r>
+              <a:rPr lang="en-US" dirty="0" smtClean="0"/>
+              <a:t>Question</a:t>
+            </a:r>
+            <a:endParaRPr lang="en-US" dirty="0"/>
+          </a:p>
+        </p:txBody>
+      </p:sp>
+      <p:pic>
+        <p:nvPicPr>
+          <p:cNvPr id="4" name="Picture 3"/>
+          <p:cNvPicPr>
+            <a:picLocks noChangeAspect="1"/>
+          </p:cNvPicPr>
+          <p:nvPr/>
+        </p:nvPicPr>
+        <p:blipFill>
+          <a:blip r:embed="rId2">
+            <a:extLst>
+              <a:ext uri="{28A0092B-C50C-407E-A947-70E740481C1C}">
+                <a14:useLocalDpi xmlns:a14="http://schemas.microsoft.com/office/drawing/2010/main" val="0"/>
+              </a:ext>
+            </a:extLst>
+          </a:blip>
+          <a:stretch>
+            <a:fillRect/>
+          </a:stretch>
+        </p:blipFill>
+        <p:spPr>
+          <a:xfrm>
+            <a:off x="11076972" y="5729468"/>
+            <a:ext cx="1018572" cy="1018572"/>
+          </a:xfrm>
+          <a:prstGeom prst="rect">
+            <a:avLst/>
+          </a:prstGeom>
+        </p:spPr>
+      </p:pic>
+      <p:pic>
+        <p:nvPicPr>
+          <p:cNvPr id="8" name="Picture 7"/>
+          <p:cNvPicPr>
+            <a:picLocks noChangeAspect="1"/>
+          </p:cNvPicPr>
+          <p:nvPr/>
+        </p:nvPicPr>
+        <p:blipFill>
+          <a:blip r:embed="rId3">
+            <a:extLst>
+              <a:ext uri="{28A0092B-C50C-407E-A947-70E740481C1C}">
+                <a14:useLocalDpi xmlns:a14="http://schemas.microsoft.com/office/drawing/2010/main" val="0"/>
+              </a:ext>
+            </a:extLst>
+          </a:blip>
+          <a:stretch>
+            <a:fillRect/>
+          </a:stretch>
+        </p:blipFill>
+        <p:spPr>
+          <a:xfrm>
+            <a:off x="3224212" y="1908054"/>
+            <a:ext cx="5740400" cy="4330700"/>
+          </a:xfrm>
+          <a:prstGeom prst="rect">
+            <a:avLst/>
+          </a:prstGeom>
+        </p:spPr>
+      </p:pic>
+    </p:spTree>
+    <p:extLst>
+      <p:ext uri="{BB962C8B-B14F-4D97-AF65-F5344CB8AC3E}">
+        <p14:creationId xmlns:p14="http://schemas.microsoft.com/office/powerpoint/2010/main" val="450769990"/>
+      </p:ext>
+    </p:extLst>
+  </p:cSld>
+  <p:clrMapOvr>
+    <a:masterClrMapping/>
+  </p:clrMapOvr>
+  <p:timing>
+    <p:tnLst>
+      <p:par>
+        <p:cTn id="1" dur="indefinite" restart="never" nodeType="tmRoot"/>
+      </p:par>
+    </p:tnLst>
+  </p:timing>
+</p:sld>
+</file>
+
+<file path=ppt/slides/slide5.xml><?xml version="1.0" encoding="utf-8"?>
+<p:sld xmlns:a="http://schemas.openxmlformats.org/drawingml/2006/main" xmlns:r="http://schemas.openxmlformats.org/officeDocument/2006/relationships" xmlns:p="http://schemas.openxmlformats.org/presentationml/2006/main">
+  <p:cSld>
+    <p:spTree>
+      <p:nvGrpSpPr>
+        <p:cNvPr id="1" name=""/>
+        <p:cNvGrpSpPr/>
+        <p:nvPr/>
+      </p:nvGrpSpPr>
+      <p:grpSpPr>
+        <a:xfrm>
+          <a:off x="0" y="0"/>
+          <a:ext cx="0" cy="0"/>
+          <a:chOff x="0" y="0"/>
+          <a:chExt cx="0" cy="0"/>
+        </a:xfrm>
+      </p:grpSpPr>
+      <p:sp>
+        <p:nvSpPr>
+          <p:cNvPr id="2" name="Title 1"/>
+          <p:cNvSpPr>
+            <a:spLocks noGrp="1"/>
+          </p:cNvSpPr>
+          <p:nvPr>
+            <p:ph type="title"/>
+          </p:nvPr>
+        </p:nvSpPr>
+        <p:spPr/>
+        <p:txBody>
+          <a:bodyPr/>
+          <a:lstStyle/>
+          <a:p>
+            <a:r>
+              <a:rPr lang="en-US" dirty="0" smtClean="0"/>
+              <a:t>Data collection</a:t>
+            </a:r>
+            <a:endParaRPr lang="en-US" dirty="0"/>
+          </a:p>
+        </p:txBody>
+      </p:sp>
+      <p:sp>
+        <p:nvSpPr>
+          <p:cNvPr id="3" name="Content Placeholder 2"/>
+          <p:cNvSpPr>
+            <a:spLocks noGrp="1"/>
+          </p:cNvSpPr>
+          <p:nvPr>
+            <p:ph idx="1"/>
+          </p:nvPr>
+        </p:nvSpPr>
+        <p:spPr/>
+        <p:txBody>
+          <a:bodyPr/>
+          <a:lstStyle/>
+          <a:p>
+            <a:r>
+              <a:rPr lang="en-US" dirty="0" smtClean="0"/>
+              <a:t>Running the IFTTT app and collect all the Tweets that consist of one of the following stocks: $TSLA, $MSFT $AAPL in separate ”Google Sheets”</a:t>
+            </a:r>
+          </a:p>
+          <a:p>
+            <a:r>
+              <a:rPr lang="en-US" dirty="0" smtClean="0"/>
+              <a:t>Started: 13</a:t>
+            </a:r>
+            <a:r>
+              <a:rPr lang="en-US" baseline="30000" dirty="0" smtClean="0"/>
+              <a:t>th</a:t>
+            </a:r>
+            <a:r>
+              <a:rPr lang="en-US" dirty="0" smtClean="0"/>
+              <a:t> of December 2016 13:45 (CET)</a:t>
+            </a:r>
+          </a:p>
+          <a:p>
+            <a:r>
+              <a:rPr lang="en-US" dirty="0" smtClean="0"/>
+              <a:t>Amount of Tweets collected so far (estimates, 19</a:t>
+            </a:r>
+            <a:r>
+              <a:rPr lang="en-US" baseline="30000" dirty="0" smtClean="0"/>
+              <a:t>th</a:t>
+            </a:r>
+            <a:r>
+              <a:rPr lang="en-US" dirty="0" smtClean="0"/>
+              <a:t> December 2016, 19:25):</a:t>
+            </a:r>
+          </a:p>
+          <a:p>
+            <a:pPr lvl="1"/>
+            <a:r>
+              <a:rPr lang="en-US" dirty="0" smtClean="0"/>
+              <a:t>Tesla:	ca. 6000</a:t>
+            </a:r>
+          </a:p>
+          <a:p>
+            <a:pPr lvl="1"/>
+            <a:r>
+              <a:rPr lang="en-US" dirty="0" smtClean="0"/>
+              <a:t>Apple:	ca. 10’000</a:t>
+            </a:r>
+          </a:p>
+          <a:p>
+            <a:pPr lvl="1"/>
+            <a:r>
+              <a:rPr lang="en-US" dirty="0" smtClean="0"/>
+              <a:t>Microsoft:	ca. 8000</a:t>
+            </a:r>
+            <a:endParaRPr lang="en-US" dirty="0"/>
+          </a:p>
+        </p:txBody>
+      </p:sp>
+      <p:pic>
+        <p:nvPicPr>
+          <p:cNvPr id="4" name="Picture 3"/>
+          <p:cNvPicPr>
+            <a:picLocks noChangeAspect="1"/>
+          </p:cNvPicPr>
+          <p:nvPr/>
+        </p:nvPicPr>
+        <p:blipFill>
+          <a:blip r:embed="rId2">
+            <a:extLst>
+              <a:ext uri="{28A0092B-C50C-407E-A947-70E740481C1C}">
+                <a14:useLocalDpi xmlns:a14="http://schemas.microsoft.com/office/drawing/2010/main" val="0"/>
+              </a:ext>
+            </a:extLst>
+          </a:blip>
+          <a:stretch>
+            <a:fillRect/>
+          </a:stretch>
+        </p:blipFill>
+        <p:spPr>
+          <a:xfrm>
+            <a:off x="11076972" y="5729468"/>
+            <a:ext cx="1018572" cy="1018572"/>
+          </a:xfrm>
+          <a:prstGeom prst="rect">
+            <a:avLst/>
+          </a:prstGeom>
+        </p:spPr>
+      </p:pic>
+    </p:spTree>
+    <p:extLst>
+      <p:ext uri="{BB962C8B-B14F-4D97-AF65-F5344CB8AC3E}">
+        <p14:creationId xmlns:p14="http://schemas.microsoft.com/office/powerpoint/2010/main" val="47990993"/>
+      </p:ext>
+    </p:extLst>
+  </p:cSld>
+  <p:clrMapOvr>
+    <a:masterClrMapping/>
+  </p:clrMapOvr>
+  <p:timing>
+    <p:tnLst>
+      <p:par>
+        <p:cTn id="1" dur="indefinite" restart="never" nodeType="tmRoot">
+          <p:childTnLst>
+            <p:seq concurrent="1" nextAc="seek">
+              <p:cTn id="2" dur="indefinite" nodeType="mainSeq">
+                <p:childTnLst>
+                  <p:par>
+                    <p:cTn id="3" fill="hold">
+                      <p:stCondLst>
+                        <p:cond delay="indefinite"/>
+                      </p:stCondLst>
+                      <p:childTnLst>
+                        <p:par>
+                          <p:cTn id="4" fill="hold">
+                            <p:stCondLst>
+                              <p:cond delay="0"/>
+                            </p:stCondLst>
+                            <p:childTnLst>
+                              <p:par>
+                                <p:cTn id="5" presetID="1" presetClass="entr" presetSubtype="0" fill="hold" nodeType="clickEffect">
+                                  <p:stCondLst>
+                                    <p:cond delay="0"/>
+                                  </p:stCondLst>
+                                  <p:childTnLst>
+                                    <p:set>
+                                      <p:cBhvr>
+                                        <p:cTn id="6" dur="1" fill="hold">
+                                          <p:stCondLst>
+                                            <p:cond delay="0"/>
+                                          </p:stCondLst>
+                                        </p:cTn>
+                                        <p:tgtEl>
+                                          <p:spTgt spid="3">
+                                            <p:txEl>
+                                              <p:pRg st="0" end="0"/>
+                                            </p:txEl>
+                                          </p:spTgt>
+                                        </p:tgtEl>
+                                        <p:attrNameLst>
+                                          <p:attrName>style.visibility</p:attrName>
+                                        </p:attrNameLst>
+                                      </p:cBhvr>
+                                      <p:to>
+                                        <p:strVal val="visible"/>
+                                      </p:to>
+                                    </p:set>
+                                  </p:childTnLst>
+                                </p:cTn>
+                              </p:par>
+                            </p:childTnLst>
+                          </p:cTn>
+                        </p:par>
+                      </p:childTnLst>
+                    </p:cTn>
+                  </p:par>
+                  <p:par>
+                    <p:cTn id="7" fill="hold">
+                      <p:stCondLst>
+                        <p:cond delay="indefinite"/>
+                      </p:stCondLst>
+                      <p:childTnLst>
+                        <p:par>
+                          <p:cTn id="8" fill="hold">
+                            <p:stCondLst>
+                              <p:cond delay="0"/>
+                            </p:stCondLst>
+                            <p:childTnLst>
+                              <p:par>
+                                <p:cTn id="9" presetID="1" presetClass="entr" presetSubtype="0" fill="hold" nodeType="clickEffect">
+                                  <p:stCondLst>
+                                    <p:cond delay="0"/>
+                                  </p:stCondLst>
+                                  <p:childTnLst>
+                                    <p:set>
+                                      <p:cBhvr>
+                                        <p:cTn id="10" dur="1" fill="hold">
+                                          <p:stCondLst>
+                                            <p:cond delay="0"/>
+                                          </p:stCondLst>
+                                        </p:cTn>
+                                        <p:tgtEl>
+                                          <p:spTgt spid="3">
+                                            <p:txEl>
+                                              <p:pRg st="1" end="1"/>
+                                            </p:txEl>
+                                          </p:spTgt>
+                                        </p:tgtEl>
+                                        <p:attrNameLst>
+                                          <p:attrName>style.visibility</p:attrName>
+                                        </p:attrNameLst>
+                                      </p:cBhvr>
+                                      <p:to>
+                                        <p:strVal val="visible"/>
+                                      </p:to>
+                                    </p:set>
+                                  </p:childTnLst>
+                                </p:cTn>
+                              </p:par>
+                            </p:childTnLst>
+                          </p:cTn>
+                        </p:par>
+                      </p:childTnLst>
+                    </p:cTn>
+                  </p:par>
+                  <p:par>
+                    <p:cTn id="11" fill="hold">
+                      <p:stCondLst>
+                        <p:cond delay="indefinite"/>
+                      </p:stCondLst>
+                      <p:childTnLst>
+                        <p:par>
+                          <p:cTn id="12" fill="hold">
+                            <p:stCondLst>
+                              <p:cond delay="0"/>
+                            </p:stCondLst>
+                            <p:childTnLst>
+                              <p:par>
+                                <p:cTn id="13" presetID="1" presetClass="entr" presetSubtype="0" fill="hold" nodeType="clickEffect">
+                                  <p:stCondLst>
+                                    <p:cond delay="0"/>
+                                  </p:stCondLst>
+                                  <p:childTnLst>
+                                    <p:set>
+                                      <p:cBhvr>
+                                        <p:cTn id="14" dur="1" fill="hold">
+                                          <p:stCondLst>
+                                            <p:cond delay="0"/>
+                                          </p:stCondLst>
+                                        </p:cTn>
+                                        <p:tgtEl>
+                                          <p:spTgt spid="3">
+                                            <p:txEl>
+                                              <p:pRg st="2" end="2"/>
+                                            </p:txEl>
+                                          </p:spTgt>
+                                        </p:tgtEl>
+                                        <p:attrNameLst>
+                                          <p:attrName>style.visibility</p:attrName>
+                                        </p:attrNameLst>
+                                      </p:cBhvr>
+                                      <p:to>
+                                        <p:strVal val="visible"/>
+                                      </p:to>
+                                    </p:set>
+                                  </p:childTnLst>
+                                </p:cTn>
+                              </p:par>
+                              <p:par>
+                                <p:cTn id="15" presetID="1" presetClass="entr" presetSubtype="0" fill="hold" nodeType="withEffect">
+                                  <p:stCondLst>
+                                    <p:cond delay="0"/>
+                                  </p:stCondLst>
+                                  <p:childTnLst>
+                                    <p:set>
+                                      <p:cBhvr>
+                                        <p:cTn id="16" dur="1" fill="hold">
+                                          <p:stCondLst>
+                                            <p:cond delay="0"/>
+                                          </p:stCondLst>
+                                        </p:cTn>
+                                        <p:tgtEl>
+                                          <p:spTgt spid="3">
+                                            <p:txEl>
+                                              <p:pRg st="3" end="3"/>
+                                            </p:txEl>
+                                          </p:spTgt>
+                                        </p:tgtEl>
+                                        <p:attrNameLst>
+                                          <p:attrName>style.visibility</p:attrName>
+                                        </p:attrNameLst>
+                                      </p:cBhvr>
+                                      <p:to>
+                                        <p:strVal val="visible"/>
+                                      </p:to>
+                                    </p:set>
+                                  </p:childTnLst>
+                                </p:cTn>
+                              </p:par>
+                              <p:par>
+                                <p:cTn id="17" presetID="1" presetClass="entr" presetSubtype="0" fill="hold" nodeType="withEffect">
+                                  <p:stCondLst>
+                                    <p:cond delay="0"/>
+                                  </p:stCondLst>
+                                  <p:childTnLst>
+                                    <p:set>
+                                      <p:cBhvr>
+                                        <p:cTn id="18" dur="1" fill="hold">
+                                          <p:stCondLst>
+                                            <p:cond delay="0"/>
+                                          </p:stCondLst>
+                                        </p:cTn>
+                                        <p:tgtEl>
+                                          <p:spTgt spid="3">
+                                            <p:txEl>
+                                              <p:pRg st="4" end="4"/>
+                                            </p:txEl>
+                                          </p:spTgt>
+                                        </p:tgtEl>
+                                        <p:attrNameLst>
+                                          <p:attrName>style.visibility</p:attrName>
+                                        </p:attrNameLst>
+                                      </p:cBhvr>
+                                      <p:to>
+                                        <p:strVal val="visible"/>
+                                      </p:to>
+                                    </p:set>
+                                  </p:childTnLst>
+                                </p:cTn>
+                              </p:par>
+                              <p:par>
+                                <p:cTn id="19" presetID="1" presetClass="entr" presetSubtype="0" fill="hold" nodeType="withEffect">
+                                  <p:stCondLst>
+                                    <p:cond delay="0"/>
+                                  </p:stCondLst>
+                                  <p:childTnLst>
+                                    <p:set>
+                                      <p:cBhvr>
+                                        <p:cTn id="20" dur="1" fill="hold">
+                                          <p:stCondLst>
+                                            <p:cond delay="0"/>
+                                          </p:stCondLst>
+                                        </p:cTn>
+                                        <p:tgtEl>
+                                          <p:spTgt spid="3">
+                                            <p:txEl>
+                                              <p:pRg st="5" end="5"/>
+                                            </p:txEl>
+                                          </p:spTgt>
+                                        </p:tgtEl>
+                                        <p:attrNameLst>
+                                          <p:attrName>style.visibility</p:attrName>
+                                        </p:attrNameLst>
+                                      </p:cBhvr>
+                                      <p:to>
+                                        <p:strVal val="visible"/>
+                                      </p:to>
+                                    </p:set>
+                                  </p:childTnLst>
+                                </p:cTn>
+                              </p:par>
+                            </p:childTnLst>
+                          </p:cTn>
+                        </p:par>
+                      </p:childTnLst>
+                    </p:cTn>
+                  </p:par>
+                </p:childTnLst>
+              </p:cTn>
+              <p:prevCondLst>
+                <p:cond evt="onPrev" delay="0">
+                  <p:tgtEl>
+                    <p:sldTgt/>
+                  </p:tgtEl>
+                </p:cond>
+              </p:prevCondLst>
+              <p:nextCondLst>
+                <p:cond evt="onNext" delay="0">
+                  <p:tgtEl>
+                    <p:sldTgt/>
+                  </p:tgtEl>
+                </p:cond>
+              </p:nextCondLst>
+            </p:seq>
+          </p:childTnLst>
+        </p:cTn>
+      </p:par>
+    </p:tnLst>
+  </p:timing>
+</p:sld>
+</file>
+
+<file path=ppt/slides/slide6.xml><?xml version="1.0" encoding="utf-8"?>
+<p:sld xmlns:a="http://schemas.openxmlformats.org/drawingml/2006/main" xmlns:r="http://schemas.openxmlformats.org/officeDocument/2006/relationships" xmlns:p="http://schemas.openxmlformats.org/presentationml/2006/main">
+  <p:cSld>
+    <p:spTree>
+      <p:nvGrpSpPr>
+        <p:cNvPr id="1" name=""/>
+        <p:cNvGrpSpPr/>
+        <p:nvPr/>
+      </p:nvGrpSpPr>
+      <p:grpSpPr>
+        <a:xfrm>
+          <a:off x="0" y="0"/>
+          <a:ext cx="0" cy="0"/>
+          <a:chOff x="0" y="0"/>
+          <a:chExt cx="0" cy="0"/>
+        </a:xfrm>
+      </p:grpSpPr>
+      <p:sp>
+        <p:nvSpPr>
+          <p:cNvPr id="2" name="Title 1"/>
+          <p:cNvSpPr>
+            <a:spLocks noGrp="1"/>
+          </p:cNvSpPr>
+          <p:nvPr>
+            <p:ph type="title"/>
+          </p:nvPr>
+        </p:nvSpPr>
+        <p:spPr/>
+        <p:txBody>
+          <a:bodyPr/>
+          <a:lstStyle/>
+          <a:p>
+            <a:r>
+              <a:rPr lang="en-US" dirty="0" smtClean="0"/>
+              <a:t>A Sample</a:t>
+            </a:r>
+            <a:endParaRPr lang="en-US" dirty="0"/>
+          </a:p>
+        </p:txBody>
+      </p:sp>
+      <p:pic>
+        <p:nvPicPr>
+          <p:cNvPr id="5" name="Content Placeholder 4"/>
+          <p:cNvPicPr>
+            <a:picLocks noGrp="1" noChangeAspect="1"/>
+          </p:cNvPicPr>
+          <p:nvPr>
+            <p:ph idx="1"/>
+          </p:nvPr>
+        </p:nvPicPr>
+        <p:blipFill>
+          <a:blip r:embed="rId2">
+            <a:extLst>
+              <a:ext uri="{28A0092B-C50C-407E-A947-70E740481C1C}">
+                <a14:useLocalDpi xmlns:a14="http://schemas.microsoft.com/office/drawing/2010/main" val="0"/>
+              </a:ext>
+            </a:extLst>
+          </a:blip>
+          <a:stretch>
+            <a:fillRect/>
+          </a:stretch>
+        </p:blipFill>
+        <p:spPr>
+          <a:xfrm>
+            <a:off x="1612736" y="1806001"/>
+            <a:ext cx="8966529" cy="4942039"/>
+          </a:xfrm>
+        </p:spPr>
+      </p:pic>
+      <p:pic>
+        <p:nvPicPr>
+          <p:cNvPr id="4" name="Picture 3"/>
+          <p:cNvPicPr>
+            <a:picLocks noChangeAspect="1"/>
+          </p:cNvPicPr>
+          <p:nvPr/>
+        </p:nvPicPr>
+        <p:blipFill>
+          <a:blip r:embed="rId3">
+            <a:extLst>
+              <a:ext uri="{28A0092B-C50C-407E-A947-70E740481C1C}">
+                <a14:useLocalDpi xmlns:a14="http://schemas.microsoft.com/office/drawing/2010/main" val="0"/>
+              </a:ext>
+            </a:extLst>
+          </a:blip>
+          <a:stretch>
+            <a:fillRect/>
+          </a:stretch>
+        </p:blipFill>
+        <p:spPr>
+          <a:xfrm>
+            <a:off x="11076972" y="5729468"/>
+            <a:ext cx="1018572" cy="1018572"/>
+          </a:xfrm>
+          <a:prstGeom prst="rect">
+            <a:avLst/>
+          </a:prstGeom>
+        </p:spPr>
+      </p:pic>
+    </p:spTree>
+    <p:extLst>
+      <p:ext uri="{BB962C8B-B14F-4D97-AF65-F5344CB8AC3E}">
+        <p14:creationId xmlns:p14="http://schemas.microsoft.com/office/powerpoint/2010/main" val="1566850775"/>
+      </p:ext>
+    </p:extLst>
+  </p:cSld>
+  <p:clrMapOvr>
+    <a:masterClrMapping/>
+  </p:clrMapOvr>
+  <p:timing>
+    <p:tnLst>
+      <p:par>
+        <p:cTn id="1" dur="indefinite" restart="never" nodeType="tmRoot"/>
+      </p:par>
+    </p:tnLst>
+  </p:timing>
+</p:sld>
+</file>
+
+<file path=ppt/slides/slide7.xml><?xml version="1.0" encoding="utf-8"?>
+<p:sld xmlns:a="http://schemas.openxmlformats.org/drawingml/2006/main" xmlns:r="http://schemas.openxmlformats.org/officeDocument/2006/relationships" xmlns:p="http://schemas.openxmlformats.org/presentationml/2006/main">
+  <p:cSld>
+    <p:spTree>
+      <p:nvGrpSpPr>
+        <p:cNvPr id="1" name=""/>
+        <p:cNvGrpSpPr/>
+        <p:nvPr/>
+      </p:nvGrpSpPr>
+      <p:grpSpPr>
+        <a:xfrm>
+          <a:off x="0" y="0"/>
+          <a:ext cx="0" cy="0"/>
+          <a:chOff x="0" y="0"/>
+          <a:chExt cx="0" cy="0"/>
+        </a:xfrm>
+      </p:grpSpPr>
+      <p:sp>
+        <p:nvSpPr>
+          <p:cNvPr id="2" name="Title 1"/>
+          <p:cNvSpPr>
+            <a:spLocks noGrp="1"/>
+          </p:cNvSpPr>
+          <p:nvPr>
+            <p:ph type="title"/>
+          </p:nvPr>
+        </p:nvSpPr>
+        <p:spPr/>
+        <p:txBody>
+          <a:bodyPr/>
+          <a:lstStyle/>
+          <a:p>
+            <a:r>
+              <a:rPr lang="en-US" dirty="0" smtClean="0"/>
+              <a:t>A Sample: $AAPL</a:t>
+            </a:r>
+            <a:endParaRPr lang="en-US" dirty="0"/>
+          </a:p>
+        </p:txBody>
+      </p:sp>
+      <p:pic>
+        <p:nvPicPr>
+          <p:cNvPr id="5" name="Content Placeholder 4"/>
+          <p:cNvPicPr>
+            <a:picLocks noGrp="1" noChangeAspect="1"/>
+          </p:cNvPicPr>
+          <p:nvPr>
+            <p:ph idx="1"/>
+          </p:nvPr>
+        </p:nvPicPr>
+        <p:blipFill>
+          <a:blip r:embed="rId2">
+            <a:extLst>
+              <a:ext uri="{28A0092B-C50C-407E-A947-70E740481C1C}">
+                <a14:useLocalDpi xmlns:a14="http://schemas.microsoft.com/office/drawing/2010/main" val="0"/>
+              </a:ext>
+            </a:extLst>
+          </a:blip>
+          <a:stretch>
+            <a:fillRect/>
+          </a:stretch>
+        </p:blipFill>
+        <p:spPr>
+          <a:xfrm>
+            <a:off x="1612736" y="1806001"/>
+            <a:ext cx="8966529" cy="4942039"/>
+          </a:xfrm>
+          <a:ln>
+            <a:solidFill>
+              <a:schemeClr val="accent1"/>
+            </a:solidFill>
+          </a:ln>
+        </p:spPr>
+      </p:pic>
+      <p:pic>
+        <p:nvPicPr>
+          <p:cNvPr id="4" name="Picture 3"/>
+          <p:cNvPicPr>
+            <a:picLocks noChangeAspect="1"/>
+          </p:cNvPicPr>
+          <p:nvPr/>
+        </p:nvPicPr>
+        <p:blipFill>
+          <a:blip r:embed="rId3">
+            <a:extLst>
+              <a:ext uri="{28A0092B-C50C-407E-A947-70E740481C1C}">
+                <a14:useLocalDpi xmlns:a14="http://schemas.microsoft.com/office/drawing/2010/main" val="0"/>
+              </a:ext>
+            </a:extLst>
+          </a:blip>
+          <a:stretch>
+            <a:fillRect/>
+          </a:stretch>
+        </p:blipFill>
+        <p:spPr>
+          <a:xfrm>
+            <a:off x="11076972" y="5729468"/>
+            <a:ext cx="1018572" cy="1018572"/>
+          </a:xfrm>
+          <a:prstGeom prst="rect">
+            <a:avLst/>
+          </a:prstGeom>
+        </p:spPr>
+      </p:pic>
+      <p:sp>
+        <p:nvSpPr>
+          <p:cNvPr id="3" name="Down Arrow 2"/>
+          <p:cNvSpPr/>
+          <p:nvPr/>
+        </p:nvSpPr>
+        <p:spPr>
+          <a:xfrm>
+            <a:off x="2939968" y="2010912"/>
+            <a:ext cx="208345" cy="439839"/>
+          </a:xfrm>
+          <a:prstGeom prst="downArrow">
+            <a:avLst/>
+          </a:prstGeom>
+          <a:solidFill>
+            <a:srgbClr val="FF0000"/>
+          </a:solidFill>
+          <a:ln>
+            <a:solidFill>
+              <a:srgbClr val="FF0000"/>
+            </a:solidFill>
+          </a:ln>
+        </p:spPr>
+        <p:style>
+          <a:lnRef idx="2">
+            <a:schemeClr val="accent1">
+              <a:shade val="50000"/>
+            </a:schemeClr>
+          </a:lnRef>
+          <a:fillRef idx="1">
+            <a:schemeClr val="accent1"/>
+          </a:fillRef>
+          <a:effectRef idx="0">
+            <a:schemeClr val="accent1"/>
+          </a:effectRef>
+          <a:fontRef idx="minor">
+            <a:schemeClr val="lt1"/>
+          </a:fontRef>
+        </p:style>
+        <p:txBody>
+          <a:bodyPr rtlCol="0" anchor="ctr"/>
+          <a:lstStyle/>
+          <a:p>
+            <a:pPr algn="ctr"/>
+            <a:endParaRPr lang="en-US"/>
+          </a:p>
+        </p:txBody>
+      </p:sp>
+      <p:sp>
+        <p:nvSpPr>
+          <p:cNvPr id="6" name="Down Arrow 5"/>
+          <p:cNvSpPr/>
+          <p:nvPr/>
+        </p:nvSpPr>
+        <p:spPr>
+          <a:xfrm flipH="1">
+            <a:off x="5308741" y="2748125"/>
+            <a:ext cx="208344" cy="439839"/>
+          </a:xfrm>
+          <a:prstGeom prst="downArrow">
+            <a:avLst/>
+          </a:prstGeom>
+          <a:solidFill>
+            <a:srgbClr val="FF0000"/>
+          </a:solidFill>
+          <a:ln>
+            <a:solidFill>
+              <a:srgbClr val="FF0000"/>
+            </a:solidFill>
+          </a:ln>
+        </p:spPr>
+        <p:style>
+          <a:lnRef idx="2">
+            <a:schemeClr val="accent1">
+              <a:shade val="50000"/>
+            </a:schemeClr>
+          </a:lnRef>
+          <a:fillRef idx="1">
+            <a:schemeClr val="accent1"/>
+          </a:fillRef>
+          <a:effectRef idx="0">
+            <a:schemeClr val="accent1"/>
+          </a:effectRef>
+          <a:fontRef idx="minor">
+            <a:schemeClr val="lt1"/>
+          </a:fontRef>
+        </p:style>
+        <p:txBody>
+          <a:bodyPr rtlCol="0" anchor="ctr"/>
+          <a:lstStyle/>
+          <a:p>
+            <a:pPr algn="ctr"/>
+            <a:endParaRPr lang="en-US"/>
+          </a:p>
+        </p:txBody>
+      </p:sp>
+      <p:sp>
+        <p:nvSpPr>
+          <p:cNvPr id="7" name="Down Arrow 6"/>
+          <p:cNvSpPr/>
+          <p:nvPr/>
+        </p:nvSpPr>
+        <p:spPr>
+          <a:xfrm>
+            <a:off x="2835795" y="3327788"/>
+            <a:ext cx="208345" cy="439839"/>
+          </a:xfrm>
+          <a:prstGeom prst="downArrow">
+            <a:avLst/>
+          </a:prstGeom>
+          <a:solidFill>
+            <a:srgbClr val="FF0000"/>
+          </a:solidFill>
+          <a:ln>
+            <a:solidFill>
+              <a:srgbClr val="FF0000"/>
+            </a:solidFill>
+          </a:ln>
+        </p:spPr>
+        <p:style>
+          <a:lnRef idx="2">
+            <a:schemeClr val="accent1">
+              <a:shade val="50000"/>
+            </a:schemeClr>
+          </a:lnRef>
+          <a:fillRef idx="1">
+            <a:schemeClr val="accent1"/>
+          </a:fillRef>
+          <a:effectRef idx="0">
+            <a:schemeClr val="accent1"/>
+          </a:effectRef>
+          <a:fontRef idx="minor">
+            <a:schemeClr val="lt1"/>
+          </a:fontRef>
+        </p:style>
+        <p:txBody>
+          <a:bodyPr rtlCol="0" anchor="ctr"/>
+          <a:lstStyle/>
+          <a:p>
+            <a:pPr algn="ctr"/>
+            <a:endParaRPr lang="en-US"/>
+          </a:p>
+        </p:txBody>
+      </p:sp>
+      <p:sp>
+        <p:nvSpPr>
+          <p:cNvPr id="8" name="Down Arrow 7"/>
+          <p:cNvSpPr/>
+          <p:nvPr/>
+        </p:nvSpPr>
+        <p:spPr>
+          <a:xfrm rot="5400000">
+            <a:off x="3453433" y="3740101"/>
+            <a:ext cx="293906" cy="557773"/>
+          </a:xfrm>
+          <a:prstGeom prst="downArrow">
+            <a:avLst/>
+          </a:prstGeom>
+          <a:solidFill>
+            <a:srgbClr val="FF0000"/>
+          </a:solidFill>
+          <a:ln>
+            <a:solidFill>
+              <a:srgbClr val="FF0000"/>
+            </a:solidFill>
+          </a:ln>
+        </p:spPr>
+        <p:style>
+          <a:lnRef idx="2">
+            <a:schemeClr val="accent1">
+              <a:shade val="50000"/>
+            </a:schemeClr>
+          </a:lnRef>
+          <a:fillRef idx="1">
+            <a:schemeClr val="accent1"/>
+          </a:fillRef>
+          <a:effectRef idx="0">
+            <a:schemeClr val="accent1"/>
+          </a:effectRef>
+          <a:fontRef idx="minor">
+            <a:schemeClr val="lt1"/>
+          </a:fontRef>
+        </p:style>
+        <p:txBody>
+          <a:bodyPr rtlCol="0" anchor="ctr"/>
+          <a:lstStyle/>
+          <a:p>
+            <a:pPr algn="ctr"/>
+            <a:endParaRPr lang="en-US"/>
+          </a:p>
+        </p:txBody>
+      </p:sp>
+      <p:sp>
+        <p:nvSpPr>
+          <p:cNvPr id="9" name="Down Arrow 8"/>
+          <p:cNvSpPr/>
+          <p:nvPr/>
+        </p:nvSpPr>
+        <p:spPr>
+          <a:xfrm>
+            <a:off x="5152661" y="4718679"/>
+            <a:ext cx="208345" cy="439839"/>
+          </a:xfrm>
+          <a:prstGeom prst="downArrow">
+            <a:avLst/>
+          </a:prstGeom>
+          <a:solidFill>
+            <a:srgbClr val="FF0000"/>
+          </a:solidFill>
+          <a:ln>
+            <a:solidFill>
+              <a:srgbClr val="FF0000"/>
+            </a:solidFill>
+          </a:ln>
+        </p:spPr>
+        <p:style>
+          <a:lnRef idx="2">
+            <a:schemeClr val="accent1">
+              <a:shade val="50000"/>
+            </a:schemeClr>
+          </a:lnRef>
+          <a:fillRef idx="1">
+            <a:schemeClr val="accent1"/>
+          </a:fillRef>
+          <a:effectRef idx="0">
+            <a:schemeClr val="accent1"/>
+          </a:effectRef>
+          <a:fontRef idx="minor">
+            <a:schemeClr val="lt1"/>
+          </a:fontRef>
+        </p:style>
+        <p:txBody>
+          <a:bodyPr rtlCol="0" anchor="ctr"/>
+          <a:lstStyle/>
+          <a:p>
+            <a:pPr algn="ctr"/>
+            <a:endParaRPr lang="en-US"/>
+          </a:p>
+        </p:txBody>
+      </p:sp>
+      <p:sp>
+        <p:nvSpPr>
+          <p:cNvPr id="10" name="Down Arrow 9"/>
+          <p:cNvSpPr/>
+          <p:nvPr/>
+        </p:nvSpPr>
+        <p:spPr>
+          <a:xfrm>
+            <a:off x="5108290" y="5940887"/>
+            <a:ext cx="208345" cy="439839"/>
+          </a:xfrm>
+          <a:prstGeom prst="downArrow">
+            <a:avLst/>
+          </a:prstGeom>
+          <a:solidFill>
+            <a:srgbClr val="FF0000"/>
+          </a:solidFill>
+          <a:ln>
+            <a:solidFill>
+              <a:srgbClr val="FF0000"/>
+            </a:solidFill>
+          </a:ln>
+        </p:spPr>
+        <p:style>
+          <a:lnRef idx="2">
+            <a:schemeClr val="accent1">
+              <a:shade val="50000"/>
+            </a:schemeClr>
+          </a:lnRef>
+          <a:fillRef idx="1">
+            <a:schemeClr val="accent1"/>
+          </a:fillRef>
+          <a:effectRef idx="0">
+            <a:schemeClr val="accent1"/>
+          </a:effectRef>
+          <a:fontRef idx="minor">
+            <a:schemeClr val="lt1"/>
+          </a:fontRef>
+        </p:style>
+        <p:txBody>
+          <a:bodyPr rtlCol="0" anchor="ctr"/>
+          <a:lstStyle/>
+          <a:p>
+            <a:pPr algn="ctr"/>
+            <a:endParaRPr lang="en-US"/>
+          </a:p>
+        </p:txBody>
+      </p:sp>
+    </p:spTree>
+    <p:extLst>
+      <p:ext uri="{BB962C8B-B14F-4D97-AF65-F5344CB8AC3E}">
+        <p14:creationId xmlns:p14="http://schemas.microsoft.com/office/powerpoint/2010/main" val="796188809"/>
+      </p:ext>
+    </p:extLst>
+  </p:cSld>
+  <p:clrMapOvr>
+    <a:masterClrMapping/>
+  </p:clrMapOvr>
+  <p:timing>
+    <p:tnLst>
+      <p:par>
+        <p:cTn id="1" dur="indefinite" restart="never" nodeType="tmRoot"/>
       </p:par>
     </p:tnLst>
   </p:timing>
@@ -14917,6 +15653,35 @@
       </p:sp>
       <p:pic>
         <p:nvPicPr>
+          <p:cNvPr id="5" name="Content Placeholder 4"/>
+          <p:cNvPicPr>
+            <a:picLocks noGrp="1" noChangeAspect="1"/>
+          </p:cNvPicPr>
+          <p:nvPr>
+            <p:ph idx="1"/>
+          </p:nvPr>
+        </p:nvPicPr>
+        <p:blipFill>
+          <a:blip r:embed="rId2">
+            <a:extLst>
+              <a:ext uri="{28A0092B-C50C-407E-A947-70E740481C1C}">
+                <a14:useLocalDpi xmlns:a14="http://schemas.microsoft.com/office/drawing/2010/main" val="0"/>
+              </a:ext>
+            </a:extLst>
+          </a:blip>
+          <a:stretch>
+            <a:fillRect/>
+          </a:stretch>
+        </p:blipFill>
+        <p:spPr>
+          <a:xfrm>
+            <a:off x="426695" y="3441538"/>
+            <a:ext cx="11338611" cy="609602"/>
+          </a:xfrm>
+        </p:spPr>
+      </p:pic>
+      <p:pic>
+        <p:nvPicPr>
           <p:cNvPr id="4" name="Picture 3"/>
           <p:cNvPicPr>
             <a:picLocks noChangeAspect="1"/>
@@ -14924,7 +15689,7 @@
           <p:nvPr/>
         </p:nvPicPr>
         <p:blipFill>
-          <a:blip r:embed="rId2">
+          <a:blip r:embed="rId3">
             <a:extLst>
               <a:ext uri="{28A0092B-C50C-407E-A947-70E740481C1C}">
                 <a14:useLocalDpi xmlns:a14="http://schemas.microsoft.com/office/drawing/2010/main" val="0"/>
@@ -14992,7 +15757,7 @@
                   <a:srgbClr val="FF0000"/>
                 </a:solidFill>
               </a:rPr>
-              <a:t>Retweets</a:t>
+              <a:t>Duplicates</a:t>
             </a:r>
             <a:endParaRPr lang="en-US" dirty="0">
               <a:solidFill>
@@ -15002,39 +15767,10 @@
           </a:p>
         </p:txBody>
       </p:sp>
-      <p:pic>
-        <p:nvPicPr>
-          <p:cNvPr id="8" name="Content Placeholder 7"/>
-          <p:cNvPicPr>
-            <a:picLocks noGrp="1" noChangeAspect="1"/>
-          </p:cNvPicPr>
-          <p:nvPr>
-            <p:ph idx="1"/>
-          </p:nvPr>
-        </p:nvPicPr>
-        <p:blipFill>
-          <a:blip r:embed="rId3">
-            <a:extLst>
-              <a:ext uri="{28A0092B-C50C-407E-A947-70E740481C1C}">
-                <a14:useLocalDpi xmlns:a14="http://schemas.microsoft.com/office/drawing/2010/main" val="0"/>
-              </a:ext>
-            </a:extLst>
-          </a:blip>
-          <a:stretch>
-            <a:fillRect/>
-          </a:stretch>
-        </p:blipFill>
-        <p:spPr>
-          <a:xfrm>
-            <a:off x="1141411" y="3172851"/>
-            <a:ext cx="9906000" cy="352322"/>
-          </a:xfrm>
-        </p:spPr>
-      </p:pic>
     </p:spTree>
     <p:extLst>
       <p:ext uri="{BB962C8B-B14F-4D97-AF65-F5344CB8AC3E}">
-        <p14:creationId xmlns:p14="http://schemas.microsoft.com/office/powerpoint/2010/main" val="427102543"/>
+        <p14:creationId xmlns:p14="http://schemas.microsoft.com/office/powerpoint/2010/main" val="1278251726"/>
       </p:ext>
     </p:extLst>
   </p:cSld>
@@ -15093,6 +15829,35 @@
       </p:sp>
       <p:pic>
         <p:nvPicPr>
+          <p:cNvPr id="5" name="Content Placeholder 4"/>
+          <p:cNvPicPr>
+            <a:picLocks noGrp="1" noChangeAspect="1"/>
+          </p:cNvPicPr>
+          <p:nvPr>
+            <p:ph idx="1"/>
+          </p:nvPr>
+        </p:nvPicPr>
+        <p:blipFill>
+          <a:blip r:embed="rId2">
+            <a:extLst>
+              <a:ext uri="{28A0092B-C50C-407E-A947-70E740481C1C}">
+                <a14:useLocalDpi xmlns:a14="http://schemas.microsoft.com/office/drawing/2010/main" val="0"/>
+              </a:ext>
+            </a:extLst>
+          </a:blip>
+          <a:stretch>
+            <a:fillRect/>
+          </a:stretch>
+        </p:blipFill>
+        <p:spPr>
+          <a:xfrm>
+            <a:off x="426695" y="3441538"/>
+            <a:ext cx="11338611" cy="609602"/>
+          </a:xfrm>
+        </p:spPr>
+      </p:pic>
+      <p:pic>
+        <p:nvPicPr>
           <p:cNvPr id="4" name="Picture 3"/>
           <p:cNvPicPr>
             <a:picLocks noChangeAspect="1"/>
@@ -15100,7 +15865,7 @@
           <p:nvPr/>
         </p:nvPicPr>
         <p:blipFill>
-          <a:blip r:embed="rId2">
+          <a:blip r:embed="rId3">
             <a:extLst>
               <a:ext uri="{28A0092B-C50C-407E-A947-70E740481C1C}">
                 <a14:useLocalDpi xmlns:a14="http://schemas.microsoft.com/office/drawing/2010/main" val="0"/>
@@ -15121,6 +15886,53 @@
           </a:prstGeom>
         </p:spPr>
       </p:pic>
+      <p:sp>
+        <p:nvSpPr>
+          <p:cNvPr id="6" name="Frame 5"/>
+          <p:cNvSpPr/>
+          <p:nvPr/>
+        </p:nvSpPr>
+        <p:spPr>
+          <a:xfrm>
+            <a:off x="4120588" y="3275635"/>
+            <a:ext cx="1851949" cy="949124"/>
+          </a:xfrm>
+          <a:prstGeom prst="frame">
+            <a:avLst/>
+          </a:prstGeom>
+          <a:solidFill>
+            <a:srgbClr val="FF0000"/>
+          </a:solidFill>
+        </p:spPr>
+        <p:style>
+          <a:lnRef idx="2">
+            <a:schemeClr val="accent1">
+              <a:shade val="50000"/>
+            </a:schemeClr>
+          </a:lnRef>
+          <a:fillRef idx="1">
+            <a:schemeClr val="accent1"/>
+          </a:fillRef>
+          <a:effectRef idx="0">
+            <a:schemeClr val="accent1"/>
+          </a:effectRef>
+          <a:fontRef idx="minor">
+            <a:schemeClr val="lt1"/>
+          </a:fontRef>
+        </p:style>
+        <p:txBody>
+          <a:bodyPr rtlCol="0" anchor="ctr"/>
+          <a:lstStyle/>
+          <a:p>
+            <a:pPr algn="ctr"/>
+            <a:endParaRPr lang="en-US">
+              <a:solidFill>
+                <a:schemeClr val="tx1"/>
+              </a:solidFill>
+            </a:endParaRPr>
+          </a:p>
+        </p:txBody>
+      </p:sp>
       <p:sp>
         <p:nvSpPr>
           <p:cNvPr id="7" name="Title 1"/>
@@ -15168,7 +15980,7 @@
                   <a:srgbClr val="FF0000"/>
                 </a:solidFill>
               </a:rPr>
-              <a:t>Retweets</a:t>
+              <a:t>Duplicates</a:t>
             </a:r>
             <a:endParaRPr lang="en-US" dirty="0">
               <a:solidFill>
@@ -15178,93 +15990,16 @@
           </a:p>
         </p:txBody>
       </p:sp>
-      <p:pic>
-        <p:nvPicPr>
-          <p:cNvPr id="6" name="Content Placeholder 7"/>
-          <p:cNvPicPr>
-            <a:picLocks noChangeAspect="1"/>
-          </p:cNvPicPr>
-          <p:nvPr/>
-        </p:nvPicPr>
-        <p:blipFill>
-          <a:blip r:embed="rId3">
-            <a:extLst>
-              <a:ext uri="{28A0092B-C50C-407E-A947-70E740481C1C}">
-                <a14:useLocalDpi xmlns:a14="http://schemas.microsoft.com/office/drawing/2010/main" val="0"/>
-              </a:ext>
-            </a:extLst>
-          </a:blip>
-          <a:stretch>
-            <a:fillRect/>
-          </a:stretch>
-        </p:blipFill>
-        <p:spPr>
-          <a:xfrm>
-            <a:off x="1141411" y="3172851"/>
-            <a:ext cx="9906000" cy="352322"/>
-          </a:xfrm>
-          <a:prstGeom prst="rect">
-            <a:avLst/>
-          </a:prstGeom>
-        </p:spPr>
-      </p:pic>
       <p:sp>
         <p:nvSpPr>
-          <p:cNvPr id="5" name="Frame 4"/>
-          <p:cNvSpPr/>
-          <p:nvPr/>
-        </p:nvSpPr>
-        <p:spPr>
-          <a:xfrm>
-            <a:off x="2037145" y="3012018"/>
-            <a:ext cx="636607" cy="673988"/>
-          </a:xfrm>
-          <a:prstGeom prst="frame">
-            <a:avLst/>
-          </a:prstGeom>
-          <a:solidFill>
-            <a:srgbClr val="FF0000"/>
-          </a:solidFill>
-        </p:spPr>
-        <p:style>
-          <a:lnRef idx="2">
-            <a:schemeClr val="accent1">
-              <a:shade val="50000"/>
-            </a:schemeClr>
-          </a:lnRef>
-          <a:fillRef idx="1">
-            <a:schemeClr val="accent1"/>
-          </a:fillRef>
-          <a:effectRef idx="0">
-            <a:schemeClr val="accent1"/>
-          </a:effectRef>
-          <a:fontRef idx="minor">
-            <a:schemeClr val="lt1"/>
-          </a:fontRef>
-        </p:style>
-        <p:txBody>
-          <a:bodyPr rtlCol="0" anchor="ctr"/>
-          <a:lstStyle/>
-          <a:p>
-            <a:pPr algn="ctr"/>
-            <a:endParaRPr lang="en-US">
-              <a:solidFill>
-                <a:schemeClr val="tx1"/>
-              </a:solidFill>
-            </a:endParaRPr>
-          </a:p>
-        </p:txBody>
-      </p:sp>
-      <p:sp>
-        <p:nvSpPr>
-          <p:cNvPr id="8" name="TextBox 7"/>
+          <p:cNvPr id="3" name="TextBox 2"/>
           <p:cNvSpPr txBox="1"/>
           <p:nvPr/>
         </p:nvSpPr>
         <p:spPr>
           <a:xfrm>
-            <a:off x="2882096" y="4884516"/>
-            <a:ext cx="5334730" cy="923330"/>
+            <a:off x="2106242" y="4702137"/>
+            <a:ext cx="8471165" cy="923330"/>
           </a:xfrm>
           <a:prstGeom prst="rect">
             <a:avLst/>
@@ -15285,6 +16020,21 @@
               <a:rPr lang="en-US" dirty="0" smtClean="0"/>
               <a:t>A tweet is counted more than once.</a:t>
             </a:r>
+          </a:p>
+          <a:p>
+            <a:pPr marL="285750" indent="-285750">
+              <a:buFontTx/>
+              <a:buChar char="-"/>
+            </a:pPr>
+            <a:r>
+              <a:rPr lang="en-US" dirty="0" smtClean="0"/>
+              <a:t>The only difference is the </a:t>
+            </a:r>
+            <a:r>
+              <a:rPr lang="en-US" dirty="0" smtClean="0"/>
+              <a:t>link (because of Twitter Analytics, different string within tweet)</a:t>
+            </a:r>
+            <a:endParaRPr lang="en-US" dirty="0" smtClean="0"/>
           </a:p>
           <a:p>
             <a:pPr marL="285750" indent="-285750">
@@ -15304,23 +16054,12 @@
               <a:t> which account should be counted?</a:t>
             </a:r>
           </a:p>
-          <a:p>
-            <a:pPr marL="285750" indent="-285750">
-              <a:buFontTx/>
-              <a:buChar char="-"/>
-            </a:pPr>
-            <a:r>
-              <a:rPr lang="en-US" dirty="0" smtClean="0"/>
-              <a:t>Not Timely</a:t>
-            </a:r>
-            <a:endParaRPr lang="en-US" dirty="0"/>
-          </a:p>
         </p:txBody>
       </p:sp>
     </p:spTree>
     <p:extLst>
       <p:ext uri="{BB962C8B-B14F-4D97-AF65-F5344CB8AC3E}">
-        <p14:creationId xmlns:p14="http://schemas.microsoft.com/office/powerpoint/2010/main" val="1318196401"/>
+        <p14:creationId xmlns:p14="http://schemas.microsoft.com/office/powerpoint/2010/main" val="1664646443"/>
       </p:ext>
     </p:extLst>
   </p:cSld>
@@ -15361,7 +16100,7 @@
                                           </p:stCondLst>
                                         </p:cTn>
                                         <p:tgtEl>
-                                          <p:spTgt spid="8">
+                                          <p:spTgt spid="3">
                                             <p:txEl>
                                               <p:pRg st="0" end="0"/>
                                             </p:txEl>
@@ -15410,7 +16149,7 @@
                                           </p:stCondLst>
                                         </p:cTn>
                                         <p:tgtEl>
-                                          <p:spTgt spid="8">
+                                          <p:spTgt spid="3">
                                             <p:txEl>
                                               <p:pRg st="1" end="1"/>
                                             </p:txEl>
@@ -15459,7 +16198,7 @@
                                           </p:stCondLst>
                                         </p:cTn>
                                         <p:tgtEl>
-                                          <p:spTgt spid="8">
+                                          <p:spTgt spid="3">
                                             <p:txEl>
                                               <p:pRg st="2" end="2"/>
                                             </p:txEl>
